--- a/7TH SEMESTER/Information Security - Abdul Aziz/Lectures/Information Security Week 3.pptx
+++ b/7TH SEMESTER/Information Security - Abdul Aziz/Lectures/Information Security Week 3.pptx
@@ -1,42 +1,48 @@
 
 <file path=ppt/presentation.xml><?xml version="1.0" encoding="utf-8"?>
-<p:presentation xmlns:a="http://schemas.openxmlformats.org/drawingml/2006/main" xmlns:r="http://schemas.openxmlformats.org/officeDocument/2006/relationships" xmlns:p="http://schemas.openxmlformats.org/presentationml/2006/main" saveSubsetFonts="1">
+<p:presentation xmlns:a="http://schemas.openxmlformats.org/drawingml/2006/main" xmlns:r="http://schemas.openxmlformats.org/officeDocument/2006/relationships" xmlns:p="http://schemas.openxmlformats.org/presentationml/2006/main">
   <p:sldMasterIdLst>
-    <p:sldMasterId id="2147483917" r:id="rId1"/>
+    <p:sldMasterId id="2147483648" r:id="rId1"/>
   </p:sldMasterIdLst>
+  <p:notesMasterIdLst>
+    <p:notesMasterId r:id="rId35"/>
+  </p:notesMasterIdLst>
+  <p:handoutMasterIdLst>
+    <p:handoutMasterId r:id="rId36"/>
+  </p:handoutMasterIdLst>
   <p:sldIdLst>
-    <p:sldId id="256" r:id="rId2"/>
-    <p:sldId id="282" r:id="rId3"/>
-    <p:sldId id="270" r:id="rId4"/>
-    <p:sldId id="260" r:id="rId5"/>
-    <p:sldId id="257" r:id="rId6"/>
-    <p:sldId id="258" r:id="rId7"/>
-    <p:sldId id="259" r:id="rId8"/>
-    <p:sldId id="261" r:id="rId9"/>
-    <p:sldId id="262" r:id="rId10"/>
-    <p:sldId id="263" r:id="rId11"/>
-    <p:sldId id="264" r:id="rId12"/>
-    <p:sldId id="265" r:id="rId13"/>
-    <p:sldId id="266" r:id="rId14"/>
-    <p:sldId id="267" r:id="rId15"/>
-    <p:sldId id="268" r:id="rId16"/>
-    <p:sldId id="285" r:id="rId17"/>
-    <p:sldId id="286" r:id="rId18"/>
-    <p:sldId id="287" r:id="rId19"/>
-    <p:sldId id="269" r:id="rId20"/>
-    <p:sldId id="271" r:id="rId21"/>
-    <p:sldId id="272" r:id="rId22"/>
-    <p:sldId id="273" r:id="rId23"/>
-    <p:sldId id="283" r:id="rId24"/>
-    <p:sldId id="284" r:id="rId25"/>
-    <p:sldId id="274" r:id="rId26"/>
-    <p:sldId id="275" r:id="rId27"/>
-    <p:sldId id="276" r:id="rId28"/>
-    <p:sldId id="277" r:id="rId29"/>
-    <p:sldId id="278" r:id="rId30"/>
-    <p:sldId id="279" r:id="rId31"/>
-    <p:sldId id="280" r:id="rId32"/>
-    <p:sldId id="281" r:id="rId33"/>
+    <p:sldId id="256" r:id="rId3"/>
+    <p:sldId id="282" r:id="rId4"/>
+    <p:sldId id="270" r:id="rId5"/>
+    <p:sldId id="260" r:id="rId6"/>
+    <p:sldId id="257" r:id="rId7"/>
+    <p:sldId id="258" r:id="rId8"/>
+    <p:sldId id="259" r:id="rId9"/>
+    <p:sldId id="261" r:id="rId10"/>
+    <p:sldId id="262" r:id="rId11"/>
+    <p:sldId id="263" r:id="rId12"/>
+    <p:sldId id="264" r:id="rId13"/>
+    <p:sldId id="265" r:id="rId14"/>
+    <p:sldId id="266" r:id="rId15"/>
+    <p:sldId id="267" r:id="rId16"/>
+    <p:sldId id="268" r:id="rId17"/>
+    <p:sldId id="285" r:id="rId18"/>
+    <p:sldId id="286" r:id="rId19"/>
+    <p:sldId id="287" r:id="rId20"/>
+    <p:sldId id="269" r:id="rId21"/>
+    <p:sldId id="271" r:id="rId22"/>
+    <p:sldId id="272" r:id="rId23"/>
+    <p:sldId id="273" r:id="rId24"/>
+    <p:sldId id="283" r:id="rId25"/>
+    <p:sldId id="284" r:id="rId26"/>
+    <p:sldId id="274" r:id="rId27"/>
+    <p:sldId id="275" r:id="rId28"/>
+    <p:sldId id="276" r:id="rId29"/>
+    <p:sldId id="277" r:id="rId30"/>
+    <p:sldId id="278" r:id="rId31"/>
+    <p:sldId id="279" r:id="rId32"/>
+    <p:sldId id="280" r:id="rId33"/>
+    <p:sldId id="281" r:id="rId34"/>
   </p:sldIdLst>
   <p:sldSz cx="12192000" cy="6858000"/>
   <p:notesSz cx="6858000" cy="9144000"/>
@@ -135,16 +141,516 @@
       </a:defRPr>
     </a:lvl9pPr>
   </p:defaultTextStyle>
-  <p:extLst>
-    <p:ext uri="{EFAFB233-063F-42B5-8137-9DF3F51BA10A}">
-      <p15:sldGuideLst xmlns:p15="http://schemas.microsoft.com/office/powerpoint/2012/main"/>
-    </p:ext>
-  </p:extLst>
 </p:presentation>
 </file>
 
+<file path=ppt/handoutMasters/handoutMaster1.xml><?xml version="1.0" encoding="utf-8"?>
+<p:handoutMaster xmlns:a="http://schemas.openxmlformats.org/drawingml/2006/main" xmlns:r="http://schemas.openxmlformats.org/officeDocument/2006/relationships" xmlns:p="http://schemas.openxmlformats.org/presentationml/2006/main">
+  <p:cSld>
+    <p:bg>
+      <p:bgRef idx="1001">
+        <a:schemeClr val="bg1"/>
+      </p:bgRef>
+    </p:bg>
+    <p:spTree>
+      <p:nvGrpSpPr>
+        <p:cNvPr id="1" name=""/>
+        <p:cNvGrpSpPr/>
+        <p:nvPr/>
+      </p:nvGrpSpPr>
+      <p:grpSpPr>
+        <a:xfrm>
+          <a:off x="0" y="0"/>
+          <a:ext cx="0" cy="0"/>
+          <a:chOff x="0" y="0"/>
+          <a:chExt cx="0" cy="0"/>
+        </a:xfrm>
+      </p:grpSpPr>
+      <p:sp>
+        <p:nvSpPr>
+          <p:cNvPr id="2" name="Header Placeholder 1"/>
+          <p:cNvSpPr>
+            <a:spLocks noGrp="1"/>
+          </p:cNvSpPr>
+          <p:nvPr>
+            <p:ph type="hdr" sz="quarter"/>
+          </p:nvPr>
+        </p:nvSpPr>
+        <p:spPr>
+          <a:xfrm>
+            <a:off x="0" y="0"/>
+            <a:ext cx="2971800" cy="458788"/>
+          </a:xfrm>
+          <a:prstGeom prst="rect">
+            <a:avLst/>
+          </a:prstGeom>
+        </p:spPr>
+        <p:txBody>
+          <a:bodyPr vert="horz" lIns="91440" tIns="45720" rIns="91440" bIns="45720" rtlCol="0"/>
+          <a:lstStyle>
+            <a:lvl1pPr algn="l">
+              <a:defRPr sz="1200"/>
+            </a:lvl1pPr>
+          </a:lstStyle>
+          <a:p>
+            <a:endParaRPr lang="en-US"/>
+          </a:p>
+        </p:txBody>
+      </p:sp>
+      <p:sp>
+        <p:nvSpPr>
+          <p:cNvPr id="3" name="Date Placeholder 2"/>
+          <p:cNvSpPr>
+            <a:spLocks noGrp="1"/>
+          </p:cNvSpPr>
+          <p:nvPr>
+            <p:ph type="dt" sz="quarter" idx="1"/>
+          </p:nvPr>
+        </p:nvSpPr>
+        <p:spPr>
+          <a:xfrm>
+            <a:off x="3884613" y="0"/>
+            <a:ext cx="2971800" cy="458788"/>
+          </a:xfrm>
+          <a:prstGeom prst="rect">
+            <a:avLst/>
+          </a:prstGeom>
+        </p:spPr>
+        <p:txBody>
+          <a:bodyPr vert="horz" lIns="91440" tIns="45720" rIns="91440" bIns="45720" rtlCol="0"/>
+          <a:lstStyle>
+            <a:lvl1pPr algn="r">
+              <a:defRPr sz="1200"/>
+            </a:lvl1pPr>
+          </a:lstStyle>
+          <a:p>
+            <a:fld id="{696C064A-D61B-4B21-B757-51A9B82445B8}" type="datetimeFigureOut">
+              <a:rPr lang="en-US" smtClean="0"/>
+            </a:fld>
+            <a:endParaRPr lang="en-US"/>
+          </a:p>
+        </p:txBody>
+      </p:sp>
+      <p:sp>
+        <p:nvSpPr>
+          <p:cNvPr id="4" name="Footer Placeholder 3"/>
+          <p:cNvSpPr>
+            <a:spLocks noGrp="1"/>
+          </p:cNvSpPr>
+          <p:nvPr>
+            <p:ph type="ftr" sz="quarter" idx="2"/>
+          </p:nvPr>
+        </p:nvSpPr>
+        <p:spPr>
+          <a:xfrm>
+            <a:off x="0" y="8685213"/>
+            <a:ext cx="2971800" cy="458787"/>
+          </a:xfrm>
+          <a:prstGeom prst="rect">
+            <a:avLst/>
+          </a:prstGeom>
+        </p:spPr>
+        <p:txBody>
+          <a:bodyPr vert="horz" lIns="91440" tIns="45720" rIns="91440" bIns="45720" rtlCol="0" anchor="b"/>
+          <a:lstStyle>
+            <a:lvl1pPr algn="l">
+              <a:defRPr sz="1200"/>
+            </a:lvl1pPr>
+          </a:lstStyle>
+          <a:p>
+            <a:endParaRPr lang="en-US"/>
+          </a:p>
+        </p:txBody>
+      </p:sp>
+      <p:sp>
+        <p:nvSpPr>
+          <p:cNvPr id="5" name="Slide Number Placeholder 4"/>
+          <p:cNvSpPr>
+            <a:spLocks noGrp="1"/>
+          </p:cNvSpPr>
+          <p:nvPr>
+            <p:ph type="sldNum" sz="quarter" idx="3"/>
+          </p:nvPr>
+        </p:nvSpPr>
+        <p:spPr>
+          <a:xfrm>
+            <a:off x="3884613" y="8685213"/>
+            <a:ext cx="2971800" cy="458787"/>
+          </a:xfrm>
+          <a:prstGeom prst="rect">
+            <a:avLst/>
+          </a:prstGeom>
+        </p:spPr>
+        <p:txBody>
+          <a:bodyPr vert="horz" lIns="91440" tIns="45720" rIns="91440" bIns="45720" rtlCol="0" anchor="b"/>
+          <a:lstStyle>
+            <a:lvl1pPr algn="r">
+              <a:defRPr sz="1200"/>
+            </a:lvl1pPr>
+          </a:lstStyle>
+          <a:p>
+            <a:fld id="{50305E07-67EA-4042-A3F6-853A8AD8D209}" type="slidenum">
+              <a:rPr lang="en-US" smtClean="0"/>
+            </a:fld>
+            <a:endParaRPr lang="en-US"/>
+          </a:p>
+        </p:txBody>
+      </p:sp>
+    </p:spTree>
+  </p:cSld>
+  <p:clrMap bg1="lt1" tx1="dk1" bg2="lt2" tx2="dk2" accent1="accent1" accent2="accent2" accent3="accent3" accent4="accent4" accent5="accent5" accent6="accent6" hlink="hlink" folHlink="folHlink"/>
+</p:handoutMaster>
+</file>
+
+<file path=ppt/notesMasters/notesMaster1.xml><?xml version="1.0" encoding="utf-8"?>
+<p:notesMaster xmlns:a="http://schemas.openxmlformats.org/drawingml/2006/main" xmlns:r="http://schemas.openxmlformats.org/officeDocument/2006/relationships" xmlns:p="http://schemas.openxmlformats.org/presentationml/2006/main">
+  <p:cSld>
+    <p:bg>
+      <p:bgRef idx="1001">
+        <a:schemeClr val="bg1"/>
+      </p:bgRef>
+    </p:bg>
+    <p:spTree>
+      <p:nvGrpSpPr>
+        <p:cNvPr id="1" name=""/>
+        <p:cNvGrpSpPr/>
+        <p:nvPr/>
+      </p:nvGrpSpPr>
+      <p:grpSpPr>
+        <a:xfrm>
+          <a:off x="0" y="0"/>
+          <a:ext cx="0" cy="0"/>
+          <a:chOff x="0" y="0"/>
+          <a:chExt cx="0" cy="0"/>
+        </a:xfrm>
+      </p:grpSpPr>
+      <p:sp>
+        <p:nvSpPr>
+          <p:cNvPr id="2" name="Header Placeholder 1"/>
+          <p:cNvSpPr>
+            <a:spLocks noGrp="1"/>
+          </p:cNvSpPr>
+          <p:nvPr>
+            <p:ph type="hdr" sz="quarter"/>
+          </p:nvPr>
+        </p:nvSpPr>
+        <p:spPr>
+          <a:xfrm>
+            <a:off x="0" y="0"/>
+            <a:ext cx="2971800" cy="458788"/>
+          </a:xfrm>
+          <a:prstGeom prst="rect">
+            <a:avLst/>
+          </a:prstGeom>
+        </p:spPr>
+        <p:txBody>
+          <a:bodyPr vert="horz" lIns="91440" tIns="45720" rIns="91440" bIns="45720" rtlCol="0"/>
+          <a:lstStyle>
+            <a:lvl1pPr algn="l">
+              <a:defRPr sz="1200"/>
+            </a:lvl1pPr>
+          </a:lstStyle>
+          <a:p>
+            <a:endParaRPr lang="en-US"/>
+          </a:p>
+        </p:txBody>
+      </p:sp>
+      <p:sp>
+        <p:nvSpPr>
+          <p:cNvPr id="3" name="Date Placeholder 2"/>
+          <p:cNvSpPr>
+            <a:spLocks noGrp="1"/>
+          </p:cNvSpPr>
+          <p:nvPr>
+            <p:ph type="dt" idx="1"/>
+          </p:nvPr>
+        </p:nvSpPr>
+        <p:spPr>
+          <a:xfrm>
+            <a:off x="3884613" y="0"/>
+            <a:ext cx="2971800" cy="458788"/>
+          </a:xfrm>
+          <a:prstGeom prst="rect">
+            <a:avLst/>
+          </a:prstGeom>
+        </p:spPr>
+        <p:txBody>
+          <a:bodyPr vert="horz" lIns="91440" tIns="45720" rIns="91440" bIns="45720" rtlCol="0"/>
+          <a:lstStyle>
+            <a:lvl1pPr algn="r">
+              <a:defRPr sz="1200"/>
+            </a:lvl1pPr>
+          </a:lstStyle>
+          <a:p>
+            <a:fld id="{3EFD42F7-718C-4B98-AAEC-167E6DDD60A7}" type="datetimeFigureOut">
+              <a:rPr lang="en-US" smtClean="0"/>
+            </a:fld>
+            <a:endParaRPr lang="en-US"/>
+          </a:p>
+        </p:txBody>
+      </p:sp>
+      <p:sp>
+        <p:nvSpPr>
+          <p:cNvPr id="4" name="Slide Image Placeholder 3"/>
+          <p:cNvSpPr>
+            <a:spLocks noGrp="1" noRot="1" noChangeAspect="1"/>
+          </p:cNvSpPr>
+          <p:nvPr>
+            <p:ph type="sldImg" idx="2"/>
+          </p:nvPr>
+        </p:nvSpPr>
+        <p:spPr>
+          <a:xfrm>
+            <a:off x="685800" y="1143000"/>
+            <a:ext cx="5486400" cy="3086100"/>
+          </a:xfrm>
+          <a:prstGeom prst="rect">
+            <a:avLst/>
+          </a:prstGeom>
+          <a:noFill/>
+          <a:ln w="12700">
+            <a:solidFill>
+              <a:prstClr val="black"/>
+            </a:solidFill>
+          </a:ln>
+        </p:spPr>
+        <p:txBody>
+          <a:bodyPr vert="horz" lIns="91440" tIns="45720" rIns="91440" bIns="45720" rtlCol="0" anchor="ctr"/>
+          <a:lstStyle/>
+          <a:p>
+            <a:endParaRPr lang="en-US"/>
+          </a:p>
+        </p:txBody>
+      </p:sp>
+      <p:sp>
+        <p:nvSpPr>
+          <p:cNvPr id="5" name="Notes Placeholder 4"/>
+          <p:cNvSpPr>
+            <a:spLocks noGrp="1"/>
+          </p:cNvSpPr>
+          <p:nvPr>
+            <p:ph type="body" sz="quarter" idx="3"/>
+          </p:nvPr>
+        </p:nvSpPr>
+        <p:spPr>
+          <a:xfrm>
+            <a:off x="685800" y="4400550"/>
+            <a:ext cx="5486400" cy="3600450"/>
+          </a:xfrm>
+          <a:prstGeom prst="rect">
+            <a:avLst/>
+          </a:prstGeom>
+        </p:spPr>
+        <p:txBody>
+          <a:bodyPr vert="horz" lIns="91440" tIns="45720" rIns="91440" bIns="45720" rtlCol="0"/>
+          <a:lstStyle/>
+          <a:p>
+            <a:pPr lvl="0"/>
+            <a:r>
+              <a:rPr lang="en-US" smtClean="0"/>
+              <a:t>Click to edit Master text styles</a:t>
+            </a:r>
+            <a:endParaRPr lang="en-US" smtClean="0"/>
+          </a:p>
+          <a:p>
+            <a:pPr lvl="1"/>
+            <a:r>
+              <a:rPr lang="en-US" smtClean="0"/>
+              <a:t>Second level</a:t>
+            </a:r>
+            <a:endParaRPr lang="en-US" smtClean="0"/>
+          </a:p>
+          <a:p>
+            <a:pPr lvl="2"/>
+            <a:r>
+              <a:rPr lang="en-US" smtClean="0"/>
+              <a:t>Third level</a:t>
+            </a:r>
+            <a:endParaRPr lang="en-US" smtClean="0"/>
+          </a:p>
+          <a:p>
+            <a:pPr lvl="3"/>
+            <a:r>
+              <a:rPr lang="en-US" smtClean="0"/>
+              <a:t>Fourth level</a:t>
+            </a:r>
+            <a:endParaRPr lang="en-US" smtClean="0"/>
+          </a:p>
+          <a:p>
+            <a:pPr lvl="4"/>
+            <a:r>
+              <a:rPr lang="en-US" smtClean="0"/>
+              <a:t>Fifth level</a:t>
+            </a:r>
+            <a:endParaRPr lang="en-US"/>
+          </a:p>
+        </p:txBody>
+      </p:sp>
+      <p:sp>
+        <p:nvSpPr>
+          <p:cNvPr id="6" name="Footer Placeholder 5"/>
+          <p:cNvSpPr>
+            <a:spLocks noGrp="1"/>
+          </p:cNvSpPr>
+          <p:nvPr>
+            <p:ph type="ftr" sz="quarter" idx="4"/>
+          </p:nvPr>
+        </p:nvSpPr>
+        <p:spPr>
+          <a:xfrm>
+            <a:off x="0" y="8685213"/>
+            <a:ext cx="2971800" cy="458787"/>
+          </a:xfrm>
+          <a:prstGeom prst="rect">
+            <a:avLst/>
+          </a:prstGeom>
+        </p:spPr>
+        <p:txBody>
+          <a:bodyPr vert="horz" lIns="91440" tIns="45720" rIns="91440" bIns="45720" rtlCol="0" anchor="b"/>
+          <a:lstStyle>
+            <a:lvl1pPr algn="l">
+              <a:defRPr sz="1200"/>
+            </a:lvl1pPr>
+          </a:lstStyle>
+          <a:p>
+            <a:endParaRPr lang="en-US"/>
+          </a:p>
+        </p:txBody>
+      </p:sp>
+      <p:sp>
+        <p:nvSpPr>
+          <p:cNvPr id="7" name="Slide Number Placeholder 6"/>
+          <p:cNvSpPr>
+            <a:spLocks noGrp="1"/>
+          </p:cNvSpPr>
+          <p:nvPr>
+            <p:ph type="sldNum" sz="quarter" idx="5"/>
+          </p:nvPr>
+        </p:nvSpPr>
+        <p:spPr>
+          <a:xfrm>
+            <a:off x="3884613" y="8685213"/>
+            <a:ext cx="2971800" cy="458787"/>
+          </a:xfrm>
+          <a:prstGeom prst="rect">
+            <a:avLst/>
+          </a:prstGeom>
+        </p:spPr>
+        <p:txBody>
+          <a:bodyPr vert="horz" lIns="91440" tIns="45720" rIns="91440" bIns="45720" rtlCol="0" anchor="b"/>
+          <a:lstStyle>
+            <a:lvl1pPr algn="r">
+              <a:defRPr sz="1200"/>
+            </a:lvl1pPr>
+          </a:lstStyle>
+          <a:p>
+            <a:fld id="{21B2AA4F-B828-4D7C-AFD3-893933DAFCB4}" type="slidenum">
+              <a:rPr lang="en-US" smtClean="0"/>
+            </a:fld>
+            <a:endParaRPr lang="en-US"/>
+          </a:p>
+        </p:txBody>
+      </p:sp>
+    </p:spTree>
+  </p:cSld>
+  <p:clrMap bg1="lt1" tx1="dk1" bg2="lt2" tx2="dk2" accent1="accent1" accent2="accent2" accent3="accent3" accent4="accent4" accent5="accent5" accent6="accent6" hlink="hlink" folHlink="folHlink"/>
+  <p:notesStyle>
+    <a:lvl1pPr marL="0" algn="l" defTabSz="914400" rtl="0" eaLnBrk="1" latinLnBrk="0" hangingPunct="1">
+      <a:defRPr sz="1200" kern="1200">
+        <a:solidFill>
+          <a:schemeClr val="tx1"/>
+        </a:solidFill>
+        <a:latin typeface="+mn-lt"/>
+        <a:ea typeface="+mn-ea"/>
+        <a:cs typeface="+mn-cs"/>
+      </a:defRPr>
+    </a:lvl1pPr>
+    <a:lvl2pPr marL="457200" algn="l" defTabSz="914400" rtl="0" eaLnBrk="1" latinLnBrk="0" hangingPunct="1">
+      <a:defRPr sz="1200" kern="1200">
+        <a:solidFill>
+          <a:schemeClr val="tx1"/>
+        </a:solidFill>
+        <a:latin typeface="+mn-lt"/>
+        <a:ea typeface="+mn-ea"/>
+        <a:cs typeface="+mn-cs"/>
+      </a:defRPr>
+    </a:lvl2pPr>
+    <a:lvl3pPr marL="914400" algn="l" defTabSz="914400" rtl="0" eaLnBrk="1" latinLnBrk="0" hangingPunct="1">
+      <a:defRPr sz="1200" kern="1200">
+        <a:solidFill>
+          <a:schemeClr val="tx1"/>
+        </a:solidFill>
+        <a:latin typeface="+mn-lt"/>
+        <a:ea typeface="+mn-ea"/>
+        <a:cs typeface="+mn-cs"/>
+      </a:defRPr>
+    </a:lvl3pPr>
+    <a:lvl4pPr marL="1371600" algn="l" defTabSz="914400" rtl="0" eaLnBrk="1" latinLnBrk="0" hangingPunct="1">
+      <a:defRPr sz="1200" kern="1200">
+        <a:solidFill>
+          <a:schemeClr val="tx1"/>
+        </a:solidFill>
+        <a:latin typeface="+mn-lt"/>
+        <a:ea typeface="+mn-ea"/>
+        <a:cs typeface="+mn-cs"/>
+      </a:defRPr>
+    </a:lvl4pPr>
+    <a:lvl5pPr marL="1828800" algn="l" defTabSz="914400" rtl="0" eaLnBrk="1" latinLnBrk="0" hangingPunct="1">
+      <a:defRPr sz="1200" kern="1200">
+        <a:solidFill>
+          <a:schemeClr val="tx1"/>
+        </a:solidFill>
+        <a:latin typeface="+mn-lt"/>
+        <a:ea typeface="+mn-ea"/>
+        <a:cs typeface="+mn-cs"/>
+      </a:defRPr>
+    </a:lvl5pPr>
+    <a:lvl6pPr marL="2286000" algn="l" defTabSz="914400" rtl="0" eaLnBrk="1" latinLnBrk="0" hangingPunct="1">
+      <a:defRPr sz="1200" kern="1200">
+        <a:solidFill>
+          <a:schemeClr val="tx1"/>
+        </a:solidFill>
+        <a:latin typeface="+mn-lt"/>
+        <a:ea typeface="+mn-ea"/>
+        <a:cs typeface="+mn-cs"/>
+      </a:defRPr>
+    </a:lvl6pPr>
+    <a:lvl7pPr marL="2743200" algn="l" defTabSz="914400" rtl="0" eaLnBrk="1" latinLnBrk="0" hangingPunct="1">
+      <a:defRPr sz="1200" kern="1200">
+        <a:solidFill>
+          <a:schemeClr val="tx1"/>
+        </a:solidFill>
+        <a:latin typeface="+mn-lt"/>
+        <a:ea typeface="+mn-ea"/>
+        <a:cs typeface="+mn-cs"/>
+      </a:defRPr>
+    </a:lvl7pPr>
+    <a:lvl8pPr marL="3200400" algn="l" defTabSz="914400" rtl="0" eaLnBrk="1" latinLnBrk="0" hangingPunct="1">
+      <a:defRPr sz="1200" kern="1200">
+        <a:solidFill>
+          <a:schemeClr val="tx1"/>
+        </a:solidFill>
+        <a:latin typeface="+mn-lt"/>
+        <a:ea typeface="+mn-ea"/>
+        <a:cs typeface="+mn-cs"/>
+      </a:defRPr>
+    </a:lvl8pPr>
+    <a:lvl9pPr marL="3657600" algn="l" defTabSz="914400" rtl="0" eaLnBrk="1" latinLnBrk="0" hangingPunct="1">
+      <a:defRPr sz="1200" kern="1200">
+        <a:solidFill>
+          <a:schemeClr val="tx1"/>
+        </a:solidFill>
+        <a:latin typeface="+mn-lt"/>
+        <a:ea typeface="+mn-ea"/>
+        <a:cs typeface="+mn-cs"/>
+      </a:defRPr>
+    </a:lvl9pPr>
+  </p:notesStyle>
+</p:notesMaster>
+</file>
+
 <file path=ppt/slideLayouts/slideLayout1.xml><?xml version="1.0" encoding="utf-8"?>
-<p:sldLayout xmlns:a="http://schemas.openxmlformats.org/drawingml/2006/main" xmlns:r="http://schemas.openxmlformats.org/officeDocument/2006/relationships" xmlns:p="http://schemas.openxmlformats.org/presentationml/2006/main" showMasterSp="0" type="title" preserve="1">
+<p:sldLayout xmlns:a="http://schemas.openxmlformats.org/drawingml/2006/main" xmlns:r="http://schemas.openxmlformats.org/officeDocument/2006/relationships" xmlns:p="http://schemas.openxmlformats.org/presentationml/2006/main" type="title" preserve="1" showMasterSp="0">
   <p:cSld name="Title Slide">
     <p:spTree>
       <p:nvGrpSpPr>
@@ -191,15 +697,6 @@
             <a:avLst/>
           </a:prstGeom>
           <a:noFill/>
-          <a:extLst>
-            <a:ext uri="{909E8E84-426E-40dd-AFC4-6F175D3DCCD1}">
-              <a14:hiddenFill xmlns:a14="http://schemas.microsoft.com/office/drawing/2010/main" xmlns="">
-                <a:solidFill>
-                  <a:srgbClr val="FFFFFF"/>
-                </a:solidFill>
-              </a14:hiddenFill>
-            </a:ext>
-          </a:extLst>
         </p:spPr>
       </p:pic>
       <p:grpSp>
@@ -251,18 +748,6 @@
             <a:ln>
               <a:noFill/>
             </a:ln>
-            <a:extLst>
-              <a:ext uri="{91240B29-F687-4f45-9708-019B960494DF}">
-                <a14:hiddenLine xmlns:a14="http://schemas.microsoft.com/office/drawing/2010/main" xmlns="" w="9525">
-                  <a:solidFill>
-                    <a:srgbClr val="000000"/>
-                  </a:solidFill>
-                  <a:miter lim="800000"/>
-                  <a:headEnd/>
-                  <a:tailEnd/>
-                </a14:hiddenLine>
-              </a:ext>
-            </a:extLst>
           </p:spPr>
         </p:sp>
         <p:sp>
@@ -341,18 +826,6 @@
             <a:ln>
               <a:noFill/>
             </a:ln>
-            <a:extLst>
-              <a:ext uri="{91240B29-F687-4f45-9708-019B960494DF}">
-                <a14:hiddenLine xmlns:a14="http://schemas.microsoft.com/office/drawing/2010/main" xmlns="" w="9525">
-                  <a:solidFill>
-                    <a:srgbClr val="000000"/>
-                  </a:solidFill>
-                  <a:round/>
-                  <a:headEnd/>
-                  <a:tailEnd/>
-                </a14:hiddenLine>
-              </a:ext>
-            </a:extLst>
           </p:spPr>
         </p:sp>
         <p:sp>
@@ -431,18 +904,6 @@
             <a:ln>
               <a:noFill/>
             </a:ln>
-            <a:extLst>
-              <a:ext uri="{91240B29-F687-4f45-9708-019B960494DF}">
-                <a14:hiddenLine xmlns:a14="http://schemas.microsoft.com/office/drawing/2010/main" xmlns="" w="9525">
-                  <a:solidFill>
-                    <a:srgbClr val="000000"/>
-                  </a:solidFill>
-                  <a:round/>
-                  <a:headEnd/>
-                  <a:tailEnd/>
-                </a14:hiddenLine>
-              </a:ext>
-            </a:extLst>
           </p:spPr>
         </p:sp>
         <p:sp>
@@ -465,18 +926,6 @@
             <a:ln>
               <a:noFill/>
             </a:ln>
-            <a:extLst>
-              <a:ext uri="{91240B29-F687-4f45-9708-019B960494DF}">
-                <a14:hiddenLine xmlns:a14="http://schemas.microsoft.com/office/drawing/2010/main" xmlns="" w="9525">
-                  <a:solidFill>
-                    <a:srgbClr val="000000"/>
-                  </a:solidFill>
-                  <a:miter lim="800000"/>
-                  <a:headEnd/>
-                  <a:tailEnd/>
-                </a14:hiddenLine>
-              </a:ext>
-            </a:extLst>
           </p:spPr>
         </p:sp>
         <p:sp>
@@ -555,18 +1004,6 @@
             <a:ln>
               <a:noFill/>
             </a:ln>
-            <a:extLst>
-              <a:ext uri="{91240B29-F687-4f45-9708-019B960494DF}">
-                <a14:hiddenLine xmlns:a14="http://schemas.microsoft.com/office/drawing/2010/main" xmlns="" w="9525">
-                  <a:solidFill>
-                    <a:srgbClr val="000000"/>
-                  </a:solidFill>
-                  <a:round/>
-                  <a:headEnd/>
-                  <a:tailEnd/>
-                </a14:hiddenLine>
-              </a:ext>
-            </a:extLst>
           </p:spPr>
         </p:sp>
         <p:sp>
@@ -617,18 +1054,6 @@
             <a:ln>
               <a:noFill/>
             </a:ln>
-            <a:extLst>
-              <a:ext uri="{91240B29-F687-4f45-9708-019B960494DF}">
-                <a14:hiddenLine xmlns:a14="http://schemas.microsoft.com/office/drawing/2010/main" xmlns="" w="9525">
-                  <a:solidFill>
-                    <a:srgbClr val="000000"/>
-                  </a:solidFill>
-                  <a:round/>
-                  <a:headEnd/>
-                  <a:tailEnd/>
-                </a14:hiddenLine>
-              </a:ext>
-            </a:extLst>
           </p:spPr>
         </p:sp>
         <p:sp>
@@ -679,18 +1104,6 @@
             <a:ln>
               <a:noFill/>
             </a:ln>
-            <a:extLst>
-              <a:ext uri="{91240B29-F687-4f45-9708-019B960494DF}">
-                <a14:hiddenLine xmlns:a14="http://schemas.microsoft.com/office/drawing/2010/main" xmlns="" w="9525">
-                  <a:solidFill>
-                    <a:srgbClr val="000000"/>
-                  </a:solidFill>
-                  <a:round/>
-                  <a:headEnd/>
-                  <a:tailEnd/>
-                </a14:hiddenLine>
-              </a:ext>
-            </a:extLst>
           </p:spPr>
         </p:sp>
         <p:sp>
@@ -769,18 +1182,6 @@
             <a:ln>
               <a:noFill/>
             </a:ln>
-            <a:extLst>
-              <a:ext uri="{91240B29-F687-4f45-9708-019B960494DF}">
-                <a14:hiddenLine xmlns:a14="http://schemas.microsoft.com/office/drawing/2010/main" xmlns="" w="9525">
-                  <a:solidFill>
-                    <a:srgbClr val="000000"/>
-                  </a:solidFill>
-                  <a:round/>
-                  <a:headEnd/>
-                  <a:tailEnd/>
-                </a14:hiddenLine>
-              </a:ext>
-            </a:extLst>
           </p:spPr>
         </p:sp>
         <p:sp>
@@ -831,18 +1232,6 @@
             <a:ln>
               <a:noFill/>
             </a:ln>
-            <a:extLst>
-              <a:ext uri="{91240B29-F687-4f45-9708-019B960494DF}">
-                <a14:hiddenLine xmlns:a14="http://schemas.microsoft.com/office/drawing/2010/main" xmlns="" w="9525">
-                  <a:solidFill>
-                    <a:srgbClr val="000000"/>
-                  </a:solidFill>
-                  <a:round/>
-                  <a:headEnd/>
-                  <a:tailEnd/>
-                </a14:hiddenLine>
-              </a:ext>
-            </a:extLst>
           </p:spPr>
         </p:sp>
         <p:sp>
@@ -893,18 +1282,6 @@
             <a:ln>
               <a:noFill/>
             </a:ln>
-            <a:extLst>
-              <a:ext uri="{91240B29-F687-4f45-9708-019B960494DF}">
-                <a14:hiddenLine xmlns:a14="http://schemas.microsoft.com/office/drawing/2010/main" xmlns="" w="9525">
-                  <a:solidFill>
-                    <a:srgbClr val="000000"/>
-                  </a:solidFill>
-                  <a:round/>
-                  <a:headEnd/>
-                  <a:tailEnd/>
-                </a14:hiddenLine>
-              </a:ext>
-            </a:extLst>
           </p:spPr>
         </p:sp>
         <p:sp>
@@ -983,18 +1360,6 @@
             <a:ln>
               <a:noFill/>
             </a:ln>
-            <a:extLst>
-              <a:ext uri="{91240B29-F687-4f45-9708-019B960494DF}">
-                <a14:hiddenLine xmlns:a14="http://schemas.microsoft.com/office/drawing/2010/main" xmlns="" w="9525">
-                  <a:solidFill>
-                    <a:srgbClr val="000000"/>
-                  </a:solidFill>
-                  <a:round/>
-                  <a:headEnd/>
-                  <a:tailEnd/>
-                </a14:hiddenLine>
-              </a:ext>
-            </a:extLst>
           </p:spPr>
         </p:sp>
         <p:sp>
@@ -1073,18 +1438,6 @@
             <a:ln>
               <a:noFill/>
             </a:ln>
-            <a:extLst>
-              <a:ext uri="{91240B29-F687-4f45-9708-019B960494DF}">
-                <a14:hiddenLine xmlns:a14="http://schemas.microsoft.com/office/drawing/2010/main" xmlns="" w="9525">
-                  <a:solidFill>
-                    <a:srgbClr val="000000"/>
-                  </a:solidFill>
-                  <a:round/>
-                  <a:headEnd/>
-                  <a:tailEnd/>
-                </a14:hiddenLine>
-              </a:ext>
-            </a:extLst>
           </p:spPr>
         </p:sp>
         <p:sp>
@@ -1135,18 +1488,6 @@
             <a:ln>
               <a:noFill/>
             </a:ln>
-            <a:extLst>
-              <a:ext uri="{91240B29-F687-4f45-9708-019B960494DF}">
-                <a14:hiddenLine xmlns:a14="http://schemas.microsoft.com/office/drawing/2010/main" xmlns="" w="9525">
-                  <a:solidFill>
-                    <a:srgbClr val="000000"/>
-                  </a:solidFill>
-                  <a:round/>
-                  <a:headEnd/>
-                  <a:tailEnd/>
-                </a14:hiddenLine>
-              </a:ext>
-            </a:extLst>
           </p:spPr>
         </p:sp>
         <p:sp>
@@ -1245,18 +1586,6 @@
             <a:ln>
               <a:noFill/>
             </a:ln>
-            <a:extLst>
-              <a:ext uri="{91240B29-F687-4f45-9708-019B960494DF}">
-                <a14:hiddenLine xmlns:a14="http://schemas.microsoft.com/office/drawing/2010/main" xmlns="" w="9525">
-                  <a:solidFill>
-                    <a:srgbClr val="000000"/>
-                  </a:solidFill>
-                  <a:round/>
-                  <a:headEnd/>
-                  <a:tailEnd/>
-                </a14:hiddenLine>
-              </a:ext>
-            </a:extLst>
           </p:spPr>
         </p:sp>
         <p:sp>
@@ -1307,18 +1636,6 @@
             <a:ln>
               <a:noFill/>
             </a:ln>
-            <a:extLst>
-              <a:ext uri="{91240B29-F687-4f45-9708-019B960494DF}">
-                <a14:hiddenLine xmlns:a14="http://schemas.microsoft.com/office/drawing/2010/main" xmlns="" w="9525">
-                  <a:solidFill>
-                    <a:srgbClr val="000000"/>
-                  </a:solidFill>
-                  <a:round/>
-                  <a:headEnd/>
-                  <a:tailEnd/>
-                </a14:hiddenLine>
-              </a:ext>
-            </a:extLst>
           </p:spPr>
         </p:sp>
         <p:sp>
@@ -1397,18 +1714,6 @@
             <a:ln>
               <a:noFill/>
             </a:ln>
-            <a:extLst>
-              <a:ext uri="{91240B29-F687-4f45-9708-019B960494DF}">
-                <a14:hiddenLine xmlns:a14="http://schemas.microsoft.com/office/drawing/2010/main" xmlns="" w="9525">
-                  <a:solidFill>
-                    <a:srgbClr val="000000"/>
-                  </a:solidFill>
-                  <a:round/>
-                  <a:headEnd/>
-                  <a:tailEnd/>
-                </a14:hiddenLine>
-              </a:ext>
-            </a:extLst>
           </p:spPr>
         </p:sp>
         <p:sp>
@@ -1487,18 +1792,6 @@
             <a:ln>
               <a:noFill/>
             </a:ln>
-            <a:extLst>
-              <a:ext uri="{91240B29-F687-4f45-9708-019B960494DF}">
-                <a14:hiddenLine xmlns:a14="http://schemas.microsoft.com/office/drawing/2010/main" xmlns="" w="9525">
-                  <a:solidFill>
-                    <a:srgbClr val="000000"/>
-                  </a:solidFill>
-                  <a:round/>
-                  <a:headEnd/>
-                  <a:tailEnd/>
-                </a14:hiddenLine>
-              </a:ext>
-            </a:extLst>
           </p:spPr>
         </p:sp>
         <p:sp>
@@ -1549,18 +1842,6 @@
             <a:ln>
               <a:noFill/>
             </a:ln>
-            <a:extLst>
-              <a:ext uri="{91240B29-F687-4f45-9708-019B960494DF}">
-                <a14:hiddenLine xmlns:a14="http://schemas.microsoft.com/office/drawing/2010/main" xmlns="" w="9525">
-                  <a:solidFill>
-                    <a:srgbClr val="000000"/>
-                  </a:solidFill>
-                  <a:round/>
-                  <a:headEnd/>
-                  <a:tailEnd/>
-                </a14:hiddenLine>
-              </a:ext>
-            </a:extLst>
           </p:spPr>
         </p:sp>
         <p:sp>
@@ -1639,18 +1920,6 @@
             <a:ln>
               <a:noFill/>
             </a:ln>
-            <a:extLst>
-              <a:ext uri="{91240B29-F687-4f45-9708-019B960494DF}">
-                <a14:hiddenLine xmlns:a14="http://schemas.microsoft.com/office/drawing/2010/main" xmlns="" w="9525">
-                  <a:solidFill>
-                    <a:srgbClr val="000000"/>
-                  </a:solidFill>
-                  <a:round/>
-                  <a:headEnd/>
-                  <a:tailEnd/>
-                </a14:hiddenLine>
-              </a:ext>
-            </a:extLst>
           </p:spPr>
         </p:sp>
         <p:sp>
@@ -1729,18 +1998,6 @@
             <a:ln>
               <a:noFill/>
             </a:ln>
-            <a:extLst>
-              <a:ext uri="{91240B29-F687-4f45-9708-019B960494DF}">
-                <a14:hiddenLine xmlns:a14="http://schemas.microsoft.com/office/drawing/2010/main" xmlns="" w="9525">
-                  <a:solidFill>
-                    <a:srgbClr val="000000"/>
-                  </a:solidFill>
-                  <a:round/>
-                  <a:headEnd/>
-                  <a:tailEnd/>
-                </a14:hiddenLine>
-              </a:ext>
-            </a:extLst>
           </p:spPr>
         </p:sp>
         <p:sp>
@@ -1785,18 +2042,6 @@
             <a:ln>
               <a:noFill/>
             </a:ln>
-            <a:extLst>
-              <a:ext uri="{91240B29-F687-4f45-9708-019B960494DF}">
-                <a14:hiddenLine xmlns:a14="http://schemas.microsoft.com/office/drawing/2010/main" xmlns="" w="9525">
-                  <a:solidFill>
-                    <a:srgbClr val="000000"/>
-                  </a:solidFill>
-                  <a:round/>
-                  <a:headEnd/>
-                  <a:tailEnd/>
-                </a14:hiddenLine>
-              </a:ext>
-            </a:extLst>
           </p:spPr>
         </p:sp>
         <p:sp>
@@ -1875,18 +2120,6 @@
             <a:ln>
               <a:noFill/>
             </a:ln>
-            <a:extLst>
-              <a:ext uri="{91240B29-F687-4f45-9708-019B960494DF}">
-                <a14:hiddenLine xmlns:a14="http://schemas.microsoft.com/office/drawing/2010/main" xmlns="" w="9525">
-                  <a:solidFill>
-                    <a:srgbClr val="000000"/>
-                  </a:solidFill>
-                  <a:round/>
-                  <a:headEnd/>
-                  <a:tailEnd/>
-                </a14:hiddenLine>
-              </a:ext>
-            </a:extLst>
           </p:spPr>
         </p:sp>
         <p:sp>
@@ -1931,18 +2164,6 @@
             <a:ln>
               <a:noFill/>
             </a:ln>
-            <a:extLst>
-              <a:ext uri="{91240B29-F687-4f45-9708-019B960494DF}">
-                <a14:hiddenLine xmlns:a14="http://schemas.microsoft.com/office/drawing/2010/main" xmlns="" w="9525">
-                  <a:solidFill>
-                    <a:srgbClr val="000000"/>
-                  </a:solidFill>
-                  <a:round/>
-                  <a:headEnd/>
-                  <a:tailEnd/>
-                </a14:hiddenLine>
-              </a:ext>
-            </a:extLst>
           </p:spPr>
         </p:sp>
         <p:sp>
@@ -2021,18 +2242,6 @@
             <a:ln>
               <a:noFill/>
             </a:ln>
-            <a:extLst>
-              <a:ext uri="{91240B29-F687-4f45-9708-019B960494DF}">
-                <a14:hiddenLine xmlns:a14="http://schemas.microsoft.com/office/drawing/2010/main" xmlns="" w="9525">
-                  <a:solidFill>
-                    <a:srgbClr val="000000"/>
-                  </a:solidFill>
-                  <a:round/>
-                  <a:headEnd/>
-                  <a:tailEnd/>
-                </a14:hiddenLine>
-              </a:ext>
-            </a:extLst>
           </p:spPr>
         </p:sp>
         <p:sp>
@@ -2089,18 +2298,6 @@
             <a:ln>
               <a:noFill/>
             </a:ln>
-            <a:extLst>
-              <a:ext uri="{91240B29-F687-4f45-9708-019B960494DF}">
-                <a14:hiddenLine xmlns:a14="http://schemas.microsoft.com/office/drawing/2010/main" xmlns="" w="9525">
-                  <a:solidFill>
-                    <a:srgbClr val="000000"/>
-                  </a:solidFill>
-                  <a:round/>
-                  <a:headEnd/>
-                  <a:tailEnd/>
-                </a14:hiddenLine>
-              </a:ext>
-            </a:extLst>
           </p:spPr>
         </p:sp>
         <p:sp>
@@ -2179,18 +2376,6 @@
             <a:ln>
               <a:noFill/>
             </a:ln>
-            <a:extLst>
-              <a:ext uri="{91240B29-F687-4f45-9708-019B960494DF}">
-                <a14:hiddenLine xmlns:a14="http://schemas.microsoft.com/office/drawing/2010/main" xmlns="" w="9525">
-                  <a:solidFill>
-                    <a:srgbClr val="000000"/>
-                  </a:solidFill>
-                  <a:round/>
-                  <a:headEnd/>
-                  <a:tailEnd/>
-                </a14:hiddenLine>
-              </a:ext>
-            </a:extLst>
           </p:spPr>
         </p:sp>
         <p:sp>
@@ -2247,18 +2432,6 @@
             <a:ln>
               <a:noFill/>
             </a:ln>
-            <a:extLst>
-              <a:ext uri="{91240B29-F687-4f45-9708-019B960494DF}">
-                <a14:hiddenLine xmlns:a14="http://schemas.microsoft.com/office/drawing/2010/main" xmlns="" w="9525">
-                  <a:solidFill>
-                    <a:srgbClr val="000000"/>
-                  </a:solidFill>
-                  <a:round/>
-                  <a:headEnd/>
-                  <a:tailEnd/>
-                </a14:hiddenLine>
-              </a:ext>
-            </a:extLst>
           </p:spPr>
         </p:sp>
         <p:sp>
@@ -2337,18 +2510,6 @@
             <a:ln>
               <a:noFill/>
             </a:ln>
-            <a:extLst>
-              <a:ext uri="{91240B29-F687-4f45-9708-019B960494DF}">
-                <a14:hiddenLine xmlns:a14="http://schemas.microsoft.com/office/drawing/2010/main" xmlns="" w="9525">
-                  <a:solidFill>
-                    <a:srgbClr val="000000"/>
-                  </a:solidFill>
-                  <a:round/>
-                  <a:headEnd/>
-                  <a:tailEnd/>
-                </a14:hiddenLine>
-              </a:ext>
-            </a:extLst>
           </p:spPr>
         </p:sp>
         <p:sp>
@@ -2371,18 +2532,6 @@
             <a:ln>
               <a:noFill/>
             </a:ln>
-            <a:extLst>
-              <a:ext uri="{91240B29-F687-4f45-9708-019B960494DF}">
-                <a14:hiddenLine xmlns:a14="http://schemas.microsoft.com/office/drawing/2010/main" xmlns="" w="9525">
-                  <a:solidFill>
-                    <a:srgbClr val="000000"/>
-                  </a:solidFill>
-                  <a:miter lim="800000"/>
-                  <a:headEnd/>
-                  <a:tailEnd/>
-                </a14:hiddenLine>
-              </a:ext>
-            </a:extLst>
           </p:spPr>
         </p:sp>
         <p:sp>
@@ -2461,18 +2610,6 @@
             <a:ln>
               <a:noFill/>
             </a:ln>
-            <a:extLst>
-              <a:ext uri="{91240B29-F687-4f45-9708-019B960494DF}">
-                <a14:hiddenLine xmlns:a14="http://schemas.microsoft.com/office/drawing/2010/main" xmlns="" w="9525">
-                  <a:solidFill>
-                    <a:srgbClr val="000000"/>
-                  </a:solidFill>
-                  <a:round/>
-                  <a:headEnd/>
-                  <a:tailEnd/>
-                </a14:hiddenLine>
-              </a:ext>
-            </a:extLst>
           </p:spPr>
         </p:sp>
         <p:sp>
@@ -2523,18 +2660,6 @@
             <a:ln>
               <a:noFill/>
             </a:ln>
-            <a:extLst>
-              <a:ext uri="{91240B29-F687-4f45-9708-019B960494DF}">
-                <a14:hiddenLine xmlns:a14="http://schemas.microsoft.com/office/drawing/2010/main" xmlns="" w="9525">
-                  <a:solidFill>
-                    <a:srgbClr val="000000"/>
-                  </a:solidFill>
-                  <a:round/>
-                  <a:headEnd/>
-                  <a:tailEnd/>
-                </a14:hiddenLine>
-              </a:ext>
-            </a:extLst>
           </p:spPr>
         </p:sp>
         <p:sp>
@@ -2585,18 +2710,6 @@
             <a:ln>
               <a:noFill/>
             </a:ln>
-            <a:extLst>
-              <a:ext uri="{91240B29-F687-4f45-9708-019B960494DF}">
-                <a14:hiddenLine xmlns:a14="http://schemas.microsoft.com/office/drawing/2010/main" xmlns="" w="9525">
-                  <a:solidFill>
-                    <a:srgbClr val="000000"/>
-                  </a:solidFill>
-                  <a:round/>
-                  <a:headEnd/>
-                  <a:tailEnd/>
-                </a14:hiddenLine>
-              </a:ext>
-            </a:extLst>
           </p:spPr>
         </p:sp>
         <p:sp>
@@ -2675,18 +2788,6 @@
             <a:ln>
               <a:noFill/>
             </a:ln>
-            <a:extLst>
-              <a:ext uri="{91240B29-F687-4f45-9708-019B960494DF}">
-                <a14:hiddenLine xmlns:a14="http://schemas.microsoft.com/office/drawing/2010/main" xmlns="" w="9525">
-                  <a:solidFill>
-                    <a:srgbClr val="000000"/>
-                  </a:solidFill>
-                  <a:round/>
-                  <a:headEnd/>
-                  <a:tailEnd/>
-                </a14:hiddenLine>
-              </a:ext>
-            </a:extLst>
           </p:spPr>
         </p:sp>
         <p:sp>
@@ -2743,18 +2844,6 @@
             <a:ln>
               <a:noFill/>
             </a:ln>
-            <a:extLst>
-              <a:ext uri="{91240B29-F687-4f45-9708-019B960494DF}">
-                <a14:hiddenLine xmlns:a14="http://schemas.microsoft.com/office/drawing/2010/main" xmlns="" w="9525">
-                  <a:solidFill>
-                    <a:srgbClr val="000000"/>
-                  </a:solidFill>
-                  <a:round/>
-                  <a:headEnd/>
-                  <a:tailEnd/>
-                </a14:hiddenLine>
-              </a:ext>
-            </a:extLst>
           </p:spPr>
         </p:sp>
         <p:sp>
@@ -2805,18 +2894,6 @@
             <a:ln>
               <a:noFill/>
             </a:ln>
-            <a:extLst>
-              <a:ext uri="{91240B29-F687-4f45-9708-019B960494DF}">
-                <a14:hiddenLine xmlns:a14="http://schemas.microsoft.com/office/drawing/2010/main" xmlns="" w="9525">
-                  <a:solidFill>
-                    <a:srgbClr val="000000"/>
-                  </a:solidFill>
-                  <a:round/>
-                  <a:headEnd/>
-                  <a:tailEnd/>
-                </a14:hiddenLine>
-              </a:ext>
-            </a:extLst>
           </p:spPr>
         </p:sp>
         <p:sp>
@@ -2895,18 +2972,6 @@
             <a:ln>
               <a:noFill/>
             </a:ln>
-            <a:extLst>
-              <a:ext uri="{91240B29-F687-4f45-9708-019B960494DF}">
-                <a14:hiddenLine xmlns:a14="http://schemas.microsoft.com/office/drawing/2010/main" xmlns="" w="9525">
-                  <a:solidFill>
-                    <a:srgbClr val="000000"/>
-                  </a:solidFill>
-                  <a:round/>
-                  <a:headEnd/>
-                  <a:tailEnd/>
-                </a14:hiddenLine>
-              </a:ext>
-            </a:extLst>
           </p:spPr>
         </p:sp>
         <p:sp>
@@ -2957,18 +3022,6 @@
             <a:ln>
               <a:noFill/>
             </a:ln>
-            <a:extLst>
-              <a:ext uri="{91240B29-F687-4f45-9708-019B960494DF}">
-                <a14:hiddenLine xmlns:a14="http://schemas.microsoft.com/office/drawing/2010/main" xmlns="" w="9525">
-                  <a:solidFill>
-                    <a:srgbClr val="000000"/>
-                  </a:solidFill>
-                  <a:round/>
-                  <a:headEnd/>
-                  <a:tailEnd/>
-                </a14:hiddenLine>
-              </a:ext>
-            </a:extLst>
           </p:spPr>
         </p:sp>
         <p:sp>
@@ -3047,18 +3100,6 @@
             <a:ln>
               <a:noFill/>
             </a:ln>
-            <a:extLst>
-              <a:ext uri="{91240B29-F687-4f45-9708-019B960494DF}">
-                <a14:hiddenLine xmlns:a14="http://schemas.microsoft.com/office/drawing/2010/main" xmlns="" w="9525">
-                  <a:solidFill>
-                    <a:srgbClr val="000000"/>
-                  </a:solidFill>
-                  <a:round/>
-                  <a:headEnd/>
-                  <a:tailEnd/>
-                </a14:hiddenLine>
-              </a:ext>
-            </a:extLst>
           </p:spPr>
         </p:sp>
         <p:sp>
@@ -3109,18 +3150,6 @@
             <a:ln>
               <a:noFill/>
             </a:ln>
-            <a:extLst>
-              <a:ext uri="{91240B29-F687-4f45-9708-019B960494DF}">
-                <a14:hiddenLine xmlns:a14="http://schemas.microsoft.com/office/drawing/2010/main" xmlns="" w="9525">
-                  <a:solidFill>
-                    <a:srgbClr val="000000"/>
-                  </a:solidFill>
-                  <a:round/>
-                  <a:headEnd/>
-                  <a:tailEnd/>
-                </a14:hiddenLine>
-              </a:ext>
-            </a:extLst>
           </p:spPr>
         </p:sp>
         <p:sp>
@@ -3199,18 +3228,6 @@
             <a:ln>
               <a:noFill/>
             </a:ln>
-            <a:extLst>
-              <a:ext uri="{91240B29-F687-4f45-9708-019B960494DF}">
-                <a14:hiddenLine xmlns:a14="http://schemas.microsoft.com/office/drawing/2010/main" xmlns="" w="9525">
-                  <a:solidFill>
-                    <a:srgbClr val="000000"/>
-                  </a:solidFill>
-                  <a:round/>
-                  <a:headEnd/>
-                  <a:tailEnd/>
-                </a14:hiddenLine>
-              </a:ext>
-            </a:extLst>
           </p:spPr>
         </p:sp>
         <p:sp>
@@ -3233,18 +3250,6 @@
             <a:ln>
               <a:noFill/>
             </a:ln>
-            <a:extLst>
-              <a:ext uri="{91240B29-F687-4f45-9708-019B960494DF}">
-                <a14:hiddenLine xmlns:a14="http://schemas.microsoft.com/office/drawing/2010/main" xmlns="" w="9525">
-                  <a:solidFill>
-                    <a:srgbClr val="000000"/>
-                  </a:solidFill>
-                  <a:miter lim="800000"/>
-                  <a:headEnd/>
-                  <a:tailEnd/>
-                </a14:hiddenLine>
-              </a:ext>
-            </a:extLst>
           </p:spPr>
         </p:sp>
         <p:sp>
@@ -3298,18 +3303,6 @@
             <a:ln>
               <a:noFill/>
             </a:ln>
-            <a:extLst>
-              <a:ext uri="{91240B29-F687-4f45-9708-019B960494DF}">
-                <a14:hiddenLine xmlns:a14="http://schemas.microsoft.com/office/drawing/2010/main" xmlns="" w="9525">
-                  <a:solidFill>
-                    <a:srgbClr val="000000"/>
-                  </a:solidFill>
-                  <a:round/>
-                  <a:headEnd/>
-                  <a:tailEnd/>
-                </a14:hiddenLine>
-              </a:ext>
-            </a:extLst>
           </p:spPr>
         </p:sp>
         <p:sp>
@@ -3388,18 +3381,6 @@
             <a:ln>
               <a:noFill/>
             </a:ln>
-            <a:extLst>
-              <a:ext uri="{91240B29-F687-4f45-9708-019B960494DF}">
-                <a14:hiddenLine xmlns:a14="http://schemas.microsoft.com/office/drawing/2010/main" xmlns="" w="9525">
-                  <a:solidFill>
-                    <a:srgbClr val="000000"/>
-                  </a:solidFill>
-                  <a:round/>
-                  <a:headEnd/>
-                  <a:tailEnd/>
-                </a14:hiddenLine>
-              </a:ext>
-            </a:extLst>
           </p:spPr>
         </p:sp>
         <p:sp>
@@ -3450,18 +3431,6 @@
             <a:ln>
               <a:noFill/>
             </a:ln>
-            <a:extLst>
-              <a:ext uri="{91240B29-F687-4f45-9708-019B960494DF}">
-                <a14:hiddenLine xmlns:a14="http://schemas.microsoft.com/office/drawing/2010/main" xmlns="" w="9525">
-                  <a:solidFill>
-                    <a:srgbClr val="000000"/>
-                  </a:solidFill>
-                  <a:round/>
-                  <a:headEnd/>
-                  <a:tailEnd/>
-                </a14:hiddenLine>
-              </a:ext>
-            </a:extLst>
           </p:spPr>
         </p:sp>
         <p:sp>
@@ -3540,18 +3509,6 @@
             <a:ln>
               <a:noFill/>
             </a:ln>
-            <a:extLst>
-              <a:ext uri="{91240B29-F687-4f45-9708-019B960494DF}">
-                <a14:hiddenLine xmlns:a14="http://schemas.microsoft.com/office/drawing/2010/main" xmlns="" w="9525">
-                  <a:solidFill>
-                    <a:srgbClr val="000000"/>
-                  </a:solidFill>
-                  <a:round/>
-                  <a:headEnd/>
-                  <a:tailEnd/>
-                </a14:hiddenLine>
-              </a:ext>
-            </a:extLst>
           </p:spPr>
         </p:sp>
         <p:sp>
@@ -3630,18 +3587,6 @@
             <a:ln>
               <a:noFill/>
             </a:ln>
-            <a:extLst>
-              <a:ext uri="{91240B29-F687-4f45-9708-019B960494DF}">
-                <a14:hiddenLine xmlns:a14="http://schemas.microsoft.com/office/drawing/2010/main" xmlns="" w="9525">
-                  <a:solidFill>
-                    <a:srgbClr val="000000"/>
-                  </a:solidFill>
-                  <a:round/>
-                  <a:headEnd/>
-                  <a:tailEnd/>
-                </a14:hiddenLine>
-              </a:ext>
-            </a:extLst>
           </p:spPr>
         </p:sp>
         <p:sp>
@@ -3695,18 +3640,6 @@
             <a:ln>
               <a:noFill/>
             </a:ln>
-            <a:extLst>
-              <a:ext uri="{91240B29-F687-4f45-9708-019B960494DF}">
-                <a14:hiddenLine xmlns:a14="http://schemas.microsoft.com/office/drawing/2010/main" xmlns="" w="9525">
-                  <a:solidFill>
-                    <a:srgbClr val="000000"/>
-                  </a:solidFill>
-                  <a:round/>
-                  <a:headEnd/>
-                  <a:tailEnd/>
-                </a14:hiddenLine>
-              </a:ext>
-            </a:extLst>
           </p:spPr>
         </p:sp>
         <p:sp>
@@ -3757,18 +3690,6 @@
             <a:ln>
               <a:noFill/>
             </a:ln>
-            <a:extLst>
-              <a:ext uri="{91240B29-F687-4f45-9708-019B960494DF}">
-                <a14:hiddenLine xmlns:a14="http://schemas.microsoft.com/office/drawing/2010/main" xmlns="" w="9525">
-                  <a:solidFill>
-                    <a:srgbClr val="000000"/>
-                  </a:solidFill>
-                  <a:round/>
-                  <a:headEnd/>
-                  <a:tailEnd/>
-                </a14:hiddenLine>
-              </a:ext>
-            </a:extLst>
           </p:spPr>
         </p:sp>
         <p:sp>
@@ -3847,18 +3768,6 @@
             <a:ln>
               <a:noFill/>
             </a:ln>
-            <a:extLst>
-              <a:ext uri="{91240B29-F687-4f45-9708-019B960494DF}">
-                <a14:hiddenLine xmlns:a14="http://schemas.microsoft.com/office/drawing/2010/main" xmlns="" w="9525">
-                  <a:solidFill>
-                    <a:srgbClr val="000000"/>
-                  </a:solidFill>
-                  <a:round/>
-                  <a:headEnd/>
-                  <a:tailEnd/>
-                </a14:hiddenLine>
-              </a:ext>
-            </a:extLst>
           </p:spPr>
         </p:sp>
         <p:sp>
@@ -3937,18 +3846,6 @@
             <a:ln>
               <a:noFill/>
             </a:ln>
-            <a:extLst>
-              <a:ext uri="{91240B29-F687-4f45-9708-019B960494DF}">
-                <a14:hiddenLine xmlns:a14="http://schemas.microsoft.com/office/drawing/2010/main" xmlns="" w="9525">
-                  <a:solidFill>
-                    <a:srgbClr val="000000"/>
-                  </a:solidFill>
-                  <a:round/>
-                  <a:headEnd/>
-                  <a:tailEnd/>
-                </a14:hiddenLine>
-              </a:ext>
-            </a:extLst>
           </p:spPr>
         </p:sp>
         <p:sp>
@@ -3999,18 +3896,6 @@
             <a:ln>
               <a:noFill/>
             </a:ln>
-            <a:extLst>
-              <a:ext uri="{91240B29-F687-4f45-9708-019B960494DF}">
-                <a14:hiddenLine xmlns:a14="http://schemas.microsoft.com/office/drawing/2010/main" xmlns="" w="9525">
-                  <a:solidFill>
-                    <a:srgbClr val="000000"/>
-                  </a:solidFill>
-                  <a:round/>
-                  <a:headEnd/>
-                  <a:tailEnd/>
-                </a14:hiddenLine>
-              </a:ext>
-            </a:extLst>
           </p:spPr>
         </p:sp>
         <p:sp>
@@ -4119,18 +4004,6 @@
             <a:ln>
               <a:noFill/>
             </a:ln>
-            <a:extLst>
-              <a:ext uri="{91240B29-F687-4f45-9708-019B960494DF}">
-                <a14:hiddenLine xmlns:a14="http://schemas.microsoft.com/office/drawing/2010/main" xmlns="" w="9525">
-                  <a:solidFill>
-                    <a:srgbClr val="000000"/>
-                  </a:solidFill>
-                  <a:round/>
-                  <a:headEnd/>
-                  <a:tailEnd/>
-                </a14:hiddenLine>
-              </a:ext>
-            </a:extLst>
           </p:spPr>
         </p:sp>
         <p:sp>
@@ -4187,18 +4060,6 @@
             <a:ln>
               <a:noFill/>
             </a:ln>
-            <a:extLst>
-              <a:ext uri="{91240B29-F687-4f45-9708-019B960494DF}">
-                <a14:hiddenLine xmlns:a14="http://schemas.microsoft.com/office/drawing/2010/main" xmlns="" w="9525">
-                  <a:solidFill>
-                    <a:srgbClr val="000000"/>
-                  </a:solidFill>
-                  <a:round/>
-                  <a:headEnd/>
-                  <a:tailEnd/>
-                </a14:hiddenLine>
-              </a:ext>
-            </a:extLst>
           </p:spPr>
         </p:sp>
         <p:sp>
@@ -4277,18 +4138,6 @@
             <a:ln>
               <a:noFill/>
             </a:ln>
-            <a:extLst>
-              <a:ext uri="{91240B29-F687-4f45-9708-019B960494DF}">
-                <a14:hiddenLine xmlns:a14="http://schemas.microsoft.com/office/drawing/2010/main" xmlns="" w="9525">
-                  <a:solidFill>
-                    <a:srgbClr val="000000"/>
-                  </a:solidFill>
-                  <a:round/>
-                  <a:headEnd/>
-                  <a:tailEnd/>
-                </a14:hiddenLine>
-              </a:ext>
-            </a:extLst>
           </p:spPr>
         </p:sp>
       </p:grpSp>
@@ -4419,7 +4268,6 @@
           <a:p>
             <a:fld id="{92186134-3781-4E14-A458-3C23E06225C5}" type="datetimeFigureOut">
               <a:rPr lang="en-US" smtClean="0"/>
-              <a:t>9/6/2023</a:t>
             </a:fld>
             <a:endParaRPr lang="en-US"/>
           </a:p>
@@ -4471,18 +4319,12 @@
           <a:p>
             <a:fld id="{31366CE6-C562-4508-9A47-9DFB89CCA727}" type="slidenum">
               <a:rPr lang="en-US" smtClean="0"/>
-              <a:t>‹#›</a:t>
             </a:fld>
             <a:endParaRPr lang="en-US"/>
           </a:p>
         </p:txBody>
       </p:sp>
     </p:spTree>
-    <p:extLst>
-      <p:ext uri="{BB962C8B-B14F-4D97-AF65-F5344CB8AC3E}">
-        <p14:creationId xmlns:p14="http://schemas.microsoft.com/office/powerpoint/2010/main" val="2118883629"/>
-      </p:ext>
-    </p:extLst>
   </p:cSld>
   <p:clrMapOvr>
     <a:masterClrMapping/>
@@ -4666,6 +4508,7 @@
               <a:rPr lang="en-US" smtClean="0"/>
               <a:t>Click to edit Master text styles</a:t>
             </a:r>
+            <a:endParaRPr lang="en-US" smtClean="0"/>
           </a:p>
         </p:txBody>
       </p:sp>
@@ -4686,7 +4529,6 @@
           <a:p>
             <a:fld id="{92186134-3781-4E14-A458-3C23E06225C5}" type="datetimeFigureOut">
               <a:rPr lang="en-US" smtClean="0"/>
-              <a:t>9/6/2023</a:t>
             </a:fld>
             <a:endParaRPr lang="en-US"/>
           </a:p>
@@ -4728,18 +4570,12 @@
           <a:p>
             <a:fld id="{31366CE6-C562-4508-9A47-9DFB89CCA727}" type="slidenum">
               <a:rPr lang="en-US" smtClean="0"/>
-              <a:t>‹#›</a:t>
             </a:fld>
             <a:endParaRPr lang="en-US"/>
           </a:p>
         </p:txBody>
       </p:sp>
     </p:spTree>
-    <p:extLst>
-      <p:ext uri="{BB962C8B-B14F-4D97-AF65-F5344CB8AC3E}">
-        <p14:creationId xmlns:p14="http://schemas.microsoft.com/office/powerpoint/2010/main" val="2771590568"/>
-      </p:ext>
-    </p:extLst>
   </p:cSld>
   <p:clrMapOvr>
     <a:masterClrMapping/>
@@ -4862,6 +4698,7 @@
               <a:rPr lang="en-US" smtClean="0"/>
               <a:t>Click to edit Master text styles</a:t>
             </a:r>
+            <a:endParaRPr lang="en-US" smtClean="0"/>
           </a:p>
         </p:txBody>
       </p:sp>
@@ -4882,7 +4719,6 @@
           <a:p>
             <a:fld id="{92186134-3781-4E14-A458-3C23E06225C5}" type="datetimeFigureOut">
               <a:rPr lang="en-US" smtClean="0"/>
-              <a:t>9/6/2023</a:t>
             </a:fld>
             <a:endParaRPr lang="en-US"/>
           </a:p>
@@ -4924,18 +4760,12 @@
           <a:p>
             <a:fld id="{31366CE6-C562-4508-9A47-9DFB89CCA727}" type="slidenum">
               <a:rPr lang="en-US" smtClean="0"/>
-              <a:t>‹#›</a:t>
             </a:fld>
             <a:endParaRPr lang="en-US"/>
           </a:p>
         </p:txBody>
       </p:sp>
     </p:spTree>
-    <p:extLst>
-      <p:ext uri="{BB962C8B-B14F-4D97-AF65-F5344CB8AC3E}">
-        <p14:creationId xmlns:p14="http://schemas.microsoft.com/office/powerpoint/2010/main" val="2658645675"/>
-      </p:ext>
-    </p:extLst>
   </p:cSld>
   <p:clrMapOvr>
     <a:masterClrMapping/>
@@ -5058,6 +4888,7 @@
               <a:rPr lang="en-US" smtClean="0"/>
               <a:t>Click to edit Master text styles</a:t>
             </a:r>
+            <a:endParaRPr lang="en-US" smtClean="0"/>
           </a:p>
         </p:txBody>
       </p:sp>
@@ -5125,6 +4956,7 @@
               <a:rPr lang="en-US" smtClean="0"/>
               <a:t>Click to edit Master text styles</a:t>
             </a:r>
+            <a:endParaRPr lang="en-US" smtClean="0"/>
           </a:p>
         </p:txBody>
       </p:sp>
@@ -5145,7 +4977,6 @@
           <a:p>
             <a:fld id="{92186134-3781-4E14-A458-3C23E06225C5}" type="datetimeFigureOut">
               <a:rPr lang="en-US" smtClean="0"/>
-              <a:t>9/6/2023</a:t>
             </a:fld>
             <a:endParaRPr lang="en-US"/>
           </a:p>
@@ -5187,7 +5018,6 @@
           <a:p>
             <a:fld id="{31366CE6-C562-4508-9A47-9DFB89CCA727}" type="slidenum">
               <a:rPr lang="en-US" smtClean="0"/>
-              <a:t>‹#›</a:t>
             </a:fld>
             <a:endParaRPr lang="en-US"/>
           </a:p>
@@ -5238,7 +5068,7 @@
                 </a:effectLst>
                 <a:latin typeface="+mj-lt"/>
                 <a:ea typeface="+mj-ea"/>
-                <a:cs typeface="Trebuchet MS"/>
+                <a:cs typeface="Trebuchet MS" panose="020B0603020202020204"/>
               </a:defRPr>
             </a:lvl1pPr>
             <a:lvl2pPr>
@@ -5309,6 +5139,12 @@
               </a:rPr>
               <a:t>“</a:t>
             </a:r>
+            <a:endParaRPr lang="en-US" sz="8000" dirty="0">
+              <a:solidFill>
+                <a:schemeClr val="tx1"/>
+              </a:solidFill>
+              <a:effectLst/>
+            </a:endParaRPr>
           </a:p>
         </p:txBody>
       </p:sp>
@@ -5357,7 +5193,7 @@
                 </a:effectLst>
                 <a:latin typeface="+mj-lt"/>
                 <a:ea typeface="+mj-ea"/>
-                <a:cs typeface="Trebuchet MS"/>
+                <a:cs typeface="Trebuchet MS" panose="020B0603020202020204"/>
               </a:defRPr>
             </a:lvl1pPr>
             <a:lvl2pPr>
@@ -5428,15 +5264,16 @@
               </a:rPr>
               <a:t>”</a:t>
             </a:r>
+            <a:endParaRPr lang="en-US" sz="8000" dirty="0">
+              <a:solidFill>
+                <a:schemeClr val="tx1"/>
+              </a:solidFill>
+              <a:effectLst/>
+            </a:endParaRPr>
           </a:p>
         </p:txBody>
       </p:sp>
     </p:spTree>
-    <p:extLst>
-      <p:ext uri="{BB962C8B-B14F-4D97-AF65-F5344CB8AC3E}">
-        <p14:creationId xmlns:p14="http://schemas.microsoft.com/office/powerpoint/2010/main" val="1343419084"/>
-      </p:ext>
-    </p:extLst>
   </p:cSld>
   <p:clrMapOvr>
     <a:masterClrMapping/>
@@ -5559,6 +5396,7 @@
               <a:rPr lang="en-US" smtClean="0"/>
               <a:t>Click to edit Master text styles</a:t>
             </a:r>
+            <a:endParaRPr lang="en-US" smtClean="0"/>
           </a:p>
         </p:txBody>
       </p:sp>
@@ -5579,7 +5417,6 @@
           <a:p>
             <a:fld id="{92186134-3781-4E14-A458-3C23E06225C5}" type="datetimeFigureOut">
               <a:rPr lang="en-US" smtClean="0"/>
-              <a:t>9/6/2023</a:t>
             </a:fld>
             <a:endParaRPr lang="en-US"/>
           </a:p>
@@ -5621,18 +5458,12 @@
           <a:p>
             <a:fld id="{31366CE6-C562-4508-9A47-9DFB89CCA727}" type="slidenum">
               <a:rPr lang="en-US" smtClean="0"/>
-              <a:t>‹#›</a:t>
             </a:fld>
             <a:endParaRPr lang="en-US"/>
           </a:p>
         </p:txBody>
       </p:sp>
     </p:spTree>
-    <p:extLst>
-      <p:ext uri="{BB962C8B-B14F-4D97-AF65-F5344CB8AC3E}">
-        <p14:creationId xmlns:p14="http://schemas.microsoft.com/office/powerpoint/2010/main" val="4289251415"/>
-      </p:ext>
-    </p:extLst>
   </p:cSld>
   <p:clrMapOvr>
     <a:masterClrMapping/>
@@ -5756,6 +5587,7 @@
               <a:rPr lang="en-US" smtClean="0"/>
               <a:t>Click to edit Master text styles</a:t>
             </a:r>
+            <a:endParaRPr lang="en-US" smtClean="0"/>
           </a:p>
         </p:txBody>
       </p:sp>
@@ -5823,6 +5655,7 @@
               <a:rPr lang="en-US" smtClean="0"/>
               <a:t>Click to edit Master text styles</a:t>
             </a:r>
+            <a:endParaRPr lang="en-US" smtClean="0"/>
           </a:p>
         </p:txBody>
       </p:sp>
@@ -5897,6 +5730,7 @@
               <a:rPr lang="en-US" smtClean="0"/>
               <a:t>Click to edit Master text styles</a:t>
             </a:r>
+            <a:endParaRPr lang="en-US" smtClean="0"/>
           </a:p>
         </p:txBody>
       </p:sp>
@@ -5964,6 +5798,7 @@
               <a:rPr lang="en-US" smtClean="0"/>
               <a:t>Click to edit Master text styles</a:t>
             </a:r>
+            <a:endParaRPr lang="en-US" smtClean="0"/>
           </a:p>
         </p:txBody>
       </p:sp>
@@ -6038,6 +5873,7 @@
               <a:rPr lang="en-US" smtClean="0"/>
               <a:t>Click to edit Master text styles</a:t>
             </a:r>
+            <a:endParaRPr lang="en-US" smtClean="0"/>
           </a:p>
         </p:txBody>
       </p:sp>
@@ -6105,6 +5941,7 @@
               <a:rPr lang="en-US" smtClean="0"/>
               <a:t>Click to edit Master text styles</a:t>
             </a:r>
+            <a:endParaRPr lang="en-US" smtClean="0"/>
           </a:p>
         </p:txBody>
       </p:sp>
@@ -6125,7 +5962,6 @@
           <a:p>
             <a:fld id="{92186134-3781-4E14-A458-3C23E06225C5}" type="datetimeFigureOut">
               <a:rPr lang="en-US" smtClean="0"/>
-              <a:t>9/6/2023</a:t>
             </a:fld>
             <a:endParaRPr lang="en-US"/>
           </a:p>
@@ -6167,18 +6003,12 @@
           <a:p>
             <a:fld id="{31366CE6-C562-4508-9A47-9DFB89CCA727}" type="slidenum">
               <a:rPr lang="en-US" smtClean="0"/>
-              <a:t>‹#›</a:t>
             </a:fld>
             <a:endParaRPr lang="en-US"/>
           </a:p>
         </p:txBody>
       </p:sp>
     </p:spTree>
-    <p:extLst>
-      <p:ext uri="{BB962C8B-B14F-4D97-AF65-F5344CB8AC3E}">
-        <p14:creationId xmlns:p14="http://schemas.microsoft.com/office/powerpoint/2010/main" val="3881997608"/>
-      </p:ext>
-    </p:extLst>
   </p:cSld>
   <p:clrMapOvr>
     <a:masterClrMapping/>
@@ -6302,6 +6132,7 @@
               <a:rPr lang="en-US" smtClean="0"/>
               <a:t>Click to edit Master text styles</a:t>
             </a:r>
+            <a:endParaRPr lang="en-US" smtClean="0"/>
           </a:p>
         </p:txBody>
       </p:sp>
@@ -6427,6 +6258,7 @@
               <a:rPr lang="en-US" smtClean="0"/>
               <a:t>Click to edit Master text styles</a:t>
             </a:r>
+            <a:endParaRPr lang="en-US" smtClean="0"/>
           </a:p>
         </p:txBody>
       </p:sp>
@@ -6501,6 +6333,7 @@
               <a:rPr lang="en-US" smtClean="0"/>
               <a:t>Click to edit Master text styles</a:t>
             </a:r>
+            <a:endParaRPr lang="en-US" smtClean="0"/>
           </a:p>
         </p:txBody>
       </p:sp>
@@ -6626,6 +6459,7 @@
               <a:rPr lang="en-US" smtClean="0"/>
               <a:t>Click to edit Master text styles</a:t>
             </a:r>
+            <a:endParaRPr lang="en-US" smtClean="0"/>
           </a:p>
         </p:txBody>
       </p:sp>
@@ -6700,6 +6534,7 @@
               <a:rPr lang="en-US" smtClean="0"/>
               <a:t>Click to edit Master text styles</a:t>
             </a:r>
+            <a:endParaRPr lang="en-US" smtClean="0"/>
           </a:p>
         </p:txBody>
       </p:sp>
@@ -6825,6 +6660,7 @@
               <a:rPr lang="en-US" smtClean="0"/>
               <a:t>Click to edit Master text styles</a:t>
             </a:r>
+            <a:endParaRPr lang="en-US" smtClean="0"/>
           </a:p>
         </p:txBody>
       </p:sp>
@@ -6845,7 +6681,6 @@
           <a:p>
             <a:fld id="{92186134-3781-4E14-A458-3C23E06225C5}" type="datetimeFigureOut">
               <a:rPr lang="en-US" smtClean="0"/>
-              <a:t>9/6/2023</a:t>
             </a:fld>
             <a:endParaRPr lang="en-US"/>
           </a:p>
@@ -6887,18 +6722,12 @@
           <a:p>
             <a:fld id="{31366CE6-C562-4508-9A47-9DFB89CCA727}" type="slidenum">
               <a:rPr lang="en-US" smtClean="0"/>
-              <a:t>‹#›</a:t>
             </a:fld>
             <a:endParaRPr lang="en-US"/>
           </a:p>
         </p:txBody>
       </p:sp>
     </p:spTree>
-    <p:extLst>
-      <p:ext uri="{BB962C8B-B14F-4D97-AF65-F5344CB8AC3E}">
-        <p14:creationId xmlns:p14="http://schemas.microsoft.com/office/powerpoint/2010/main" val="2402126175"/>
-      </p:ext>
-    </p:extLst>
   </p:cSld>
   <p:clrMapOvr>
     <a:masterClrMapping/>
@@ -6966,6 +6795,7 @@
               <a:rPr lang="en-US" smtClean="0"/>
               <a:t>Click to edit Master text styles</a:t>
             </a:r>
+            <a:endParaRPr lang="en-US" smtClean="0"/>
           </a:p>
           <a:p>
             <a:pPr lvl="1"/>
@@ -6973,6 +6803,7 @@
               <a:rPr lang="en-US" smtClean="0"/>
               <a:t>Second level</a:t>
             </a:r>
+            <a:endParaRPr lang="en-US" smtClean="0"/>
           </a:p>
           <a:p>
             <a:pPr lvl="2"/>
@@ -6980,6 +6811,7 @@
               <a:rPr lang="en-US" smtClean="0"/>
               <a:t>Third level</a:t>
             </a:r>
+            <a:endParaRPr lang="en-US" smtClean="0"/>
           </a:p>
           <a:p>
             <a:pPr lvl="3"/>
@@ -6987,6 +6819,7 @@
               <a:rPr lang="en-US" smtClean="0"/>
               <a:t>Fourth level</a:t>
             </a:r>
+            <a:endParaRPr lang="en-US" smtClean="0"/>
           </a:p>
           <a:p>
             <a:pPr lvl="4"/>
@@ -7015,7 +6848,6 @@
           <a:p>
             <a:fld id="{92186134-3781-4E14-A458-3C23E06225C5}" type="datetimeFigureOut">
               <a:rPr lang="en-US" smtClean="0"/>
-              <a:t>9/6/2023</a:t>
             </a:fld>
             <a:endParaRPr lang="en-US"/>
           </a:p>
@@ -7057,18 +6889,12 @@
           <a:p>
             <a:fld id="{31366CE6-C562-4508-9A47-9DFB89CCA727}" type="slidenum">
               <a:rPr lang="en-US" smtClean="0"/>
-              <a:t>‹#›</a:t>
             </a:fld>
             <a:endParaRPr lang="en-US"/>
           </a:p>
         </p:txBody>
       </p:sp>
     </p:spTree>
-    <p:extLst>
-      <p:ext uri="{BB962C8B-B14F-4D97-AF65-F5344CB8AC3E}">
-        <p14:creationId xmlns:p14="http://schemas.microsoft.com/office/powerpoint/2010/main" val="52563323"/>
-      </p:ext>
-    </p:extLst>
   </p:cSld>
   <p:clrMapOvr>
     <a:masterClrMapping/>
@@ -7146,6 +6972,7 @@
               <a:rPr lang="en-US" smtClean="0"/>
               <a:t>Click to edit Master text styles</a:t>
             </a:r>
+            <a:endParaRPr lang="en-US" smtClean="0"/>
           </a:p>
           <a:p>
             <a:pPr lvl="1"/>
@@ -7153,6 +6980,7 @@
               <a:rPr lang="en-US" smtClean="0"/>
               <a:t>Second level</a:t>
             </a:r>
+            <a:endParaRPr lang="en-US" smtClean="0"/>
           </a:p>
           <a:p>
             <a:pPr lvl="2"/>
@@ -7160,6 +6988,7 @@
               <a:rPr lang="en-US" smtClean="0"/>
               <a:t>Third level</a:t>
             </a:r>
+            <a:endParaRPr lang="en-US" smtClean="0"/>
           </a:p>
           <a:p>
             <a:pPr lvl="3"/>
@@ -7167,6 +6996,7 @@
               <a:rPr lang="en-US" smtClean="0"/>
               <a:t>Fourth level</a:t>
             </a:r>
+            <a:endParaRPr lang="en-US" smtClean="0"/>
           </a:p>
           <a:p>
             <a:pPr lvl="4"/>
@@ -7195,7 +7025,6 @@
           <a:p>
             <a:fld id="{92186134-3781-4E14-A458-3C23E06225C5}" type="datetimeFigureOut">
               <a:rPr lang="en-US" smtClean="0"/>
-              <a:t>9/6/2023</a:t>
             </a:fld>
             <a:endParaRPr lang="en-US"/>
           </a:p>
@@ -7237,18 +7066,12 @@
           <a:p>
             <a:fld id="{31366CE6-C562-4508-9A47-9DFB89CCA727}" type="slidenum">
               <a:rPr lang="en-US" smtClean="0"/>
-              <a:t>‹#›</a:t>
             </a:fld>
             <a:endParaRPr lang="en-US"/>
           </a:p>
         </p:txBody>
       </p:sp>
     </p:spTree>
-    <p:extLst>
-      <p:ext uri="{BB962C8B-B14F-4D97-AF65-F5344CB8AC3E}">
-        <p14:creationId xmlns:p14="http://schemas.microsoft.com/office/powerpoint/2010/main" val="1613697123"/>
-      </p:ext>
-    </p:extLst>
   </p:cSld>
   <p:clrMapOvr>
     <a:masterClrMapping/>
@@ -7316,6 +7139,7 @@
               <a:rPr lang="en-US" smtClean="0"/>
               <a:t>Click to edit Master text styles</a:t>
             </a:r>
+            <a:endParaRPr lang="en-US" smtClean="0"/>
           </a:p>
           <a:p>
             <a:pPr lvl="1"/>
@@ -7323,6 +7147,7 @@
               <a:rPr lang="en-US" smtClean="0"/>
               <a:t>Second level</a:t>
             </a:r>
+            <a:endParaRPr lang="en-US" smtClean="0"/>
           </a:p>
           <a:p>
             <a:pPr lvl="2"/>
@@ -7330,6 +7155,7 @@
               <a:rPr lang="en-US" smtClean="0"/>
               <a:t>Third level</a:t>
             </a:r>
+            <a:endParaRPr lang="en-US" smtClean="0"/>
           </a:p>
           <a:p>
             <a:pPr lvl="3"/>
@@ -7337,6 +7163,7 @@
               <a:rPr lang="en-US" smtClean="0"/>
               <a:t>Fourth level</a:t>
             </a:r>
+            <a:endParaRPr lang="en-US" smtClean="0"/>
           </a:p>
           <a:p>
             <a:pPr lvl="4"/>
@@ -7365,7 +7192,6 @@
           <a:p>
             <a:fld id="{92186134-3781-4E14-A458-3C23E06225C5}" type="datetimeFigureOut">
               <a:rPr lang="en-US" smtClean="0"/>
-              <a:t>9/6/2023</a:t>
             </a:fld>
             <a:endParaRPr lang="en-US"/>
           </a:p>
@@ -7407,18 +7233,12 @@
           <a:p>
             <a:fld id="{31366CE6-C562-4508-9A47-9DFB89CCA727}" type="slidenum">
               <a:rPr lang="en-US" smtClean="0"/>
-              <a:t>‹#›</a:t>
             </a:fld>
             <a:endParaRPr lang="en-US"/>
           </a:p>
         </p:txBody>
       </p:sp>
     </p:spTree>
-    <p:extLst>
-      <p:ext uri="{BB962C8B-B14F-4D97-AF65-F5344CB8AC3E}">
-        <p14:creationId xmlns:p14="http://schemas.microsoft.com/office/powerpoint/2010/main" val="4067661345"/>
-      </p:ext>
-    </p:extLst>
   </p:cSld>
   <p:clrMapOvr>
     <a:masterClrMapping/>
@@ -7595,6 +7415,7 @@
               <a:rPr lang="en-US" smtClean="0"/>
               <a:t>Click to edit Master text styles</a:t>
             </a:r>
+            <a:endParaRPr lang="en-US" smtClean="0"/>
           </a:p>
         </p:txBody>
       </p:sp>
@@ -7615,7 +7436,6 @@
           <a:p>
             <a:fld id="{92186134-3781-4E14-A458-3C23E06225C5}" type="datetimeFigureOut">
               <a:rPr lang="en-US" smtClean="0"/>
-              <a:t>9/6/2023</a:t>
             </a:fld>
             <a:endParaRPr lang="en-US"/>
           </a:p>
@@ -7657,18 +7477,12 @@
           <a:p>
             <a:fld id="{31366CE6-C562-4508-9A47-9DFB89CCA727}" type="slidenum">
               <a:rPr lang="en-US" smtClean="0"/>
-              <a:t>‹#›</a:t>
             </a:fld>
             <a:endParaRPr lang="en-US"/>
           </a:p>
         </p:txBody>
       </p:sp>
     </p:spTree>
-    <p:extLst>
-      <p:ext uri="{BB962C8B-B14F-4D97-AF65-F5344CB8AC3E}">
-        <p14:creationId xmlns:p14="http://schemas.microsoft.com/office/powerpoint/2010/main" val="2356923440"/>
-      </p:ext>
-    </p:extLst>
   </p:cSld>
   <p:clrMapOvr>
     <a:masterClrMapping/>
@@ -7741,6 +7555,7 @@
               <a:rPr lang="en-US" smtClean="0"/>
               <a:t>Click to edit Master text styles</a:t>
             </a:r>
+            <a:endParaRPr lang="en-US" smtClean="0"/>
           </a:p>
           <a:p>
             <a:pPr lvl="1"/>
@@ -7748,6 +7563,7 @@
               <a:rPr lang="en-US" smtClean="0"/>
               <a:t>Second level</a:t>
             </a:r>
+            <a:endParaRPr lang="en-US" smtClean="0"/>
           </a:p>
           <a:p>
             <a:pPr lvl="2"/>
@@ -7755,6 +7571,7 @@
               <a:rPr lang="en-US" smtClean="0"/>
               <a:t>Third level</a:t>
             </a:r>
+            <a:endParaRPr lang="en-US" smtClean="0"/>
           </a:p>
           <a:p>
             <a:pPr lvl="3"/>
@@ -7762,6 +7579,7 @@
               <a:rPr lang="en-US" smtClean="0"/>
               <a:t>Fourth level</a:t>
             </a:r>
+            <a:endParaRPr lang="en-US" smtClean="0"/>
           </a:p>
           <a:p>
             <a:pPr lvl="4"/>
@@ -7798,6 +7616,7 @@
               <a:rPr lang="en-US" smtClean="0"/>
               <a:t>Click to edit Master text styles</a:t>
             </a:r>
+            <a:endParaRPr lang="en-US" smtClean="0"/>
           </a:p>
           <a:p>
             <a:pPr lvl="1"/>
@@ -7805,6 +7624,7 @@
               <a:rPr lang="en-US" smtClean="0"/>
               <a:t>Second level</a:t>
             </a:r>
+            <a:endParaRPr lang="en-US" smtClean="0"/>
           </a:p>
           <a:p>
             <a:pPr lvl="2"/>
@@ -7812,6 +7632,7 @@
               <a:rPr lang="en-US" smtClean="0"/>
               <a:t>Third level</a:t>
             </a:r>
+            <a:endParaRPr lang="en-US" smtClean="0"/>
           </a:p>
           <a:p>
             <a:pPr lvl="3"/>
@@ -7819,6 +7640,7 @@
               <a:rPr lang="en-US" smtClean="0"/>
               <a:t>Fourth level</a:t>
             </a:r>
+            <a:endParaRPr lang="en-US" smtClean="0"/>
           </a:p>
           <a:p>
             <a:pPr lvl="4"/>
@@ -7847,7 +7669,6 @@
           <a:p>
             <a:fld id="{92186134-3781-4E14-A458-3C23E06225C5}" type="datetimeFigureOut">
               <a:rPr lang="en-US" smtClean="0"/>
-              <a:t>9/6/2023</a:t>
             </a:fld>
             <a:endParaRPr lang="en-US"/>
           </a:p>
@@ -7889,18 +7710,12 @@
           <a:p>
             <a:fld id="{31366CE6-C562-4508-9A47-9DFB89CCA727}" type="slidenum">
               <a:rPr lang="en-US" smtClean="0"/>
-              <a:t>‹#›</a:t>
             </a:fld>
             <a:endParaRPr lang="en-US"/>
           </a:p>
         </p:txBody>
       </p:sp>
     </p:spTree>
-    <p:extLst>
-      <p:ext uri="{BB962C8B-B14F-4D97-AF65-F5344CB8AC3E}">
-        <p14:creationId xmlns:p14="http://schemas.microsoft.com/office/powerpoint/2010/main" val="2679529858"/>
-      </p:ext>
-    </p:extLst>
   </p:cSld>
   <p:clrMapOvr>
     <a:masterClrMapping/>
@@ -8022,6 +7837,7 @@
               <a:rPr lang="en-US" smtClean="0"/>
               <a:t>Click to edit Master text styles</a:t>
             </a:r>
+            <a:endParaRPr lang="en-US" smtClean="0"/>
           </a:p>
         </p:txBody>
       </p:sp>
@@ -8050,6 +7866,7 @@
               <a:rPr lang="en-US" smtClean="0"/>
               <a:t>Click to edit Master text styles</a:t>
             </a:r>
+            <a:endParaRPr lang="en-US" smtClean="0"/>
           </a:p>
           <a:p>
             <a:pPr lvl="1"/>
@@ -8057,6 +7874,7 @@
               <a:rPr lang="en-US" smtClean="0"/>
               <a:t>Second level</a:t>
             </a:r>
+            <a:endParaRPr lang="en-US" smtClean="0"/>
           </a:p>
           <a:p>
             <a:pPr lvl="2"/>
@@ -8064,6 +7882,7 @@
               <a:rPr lang="en-US" smtClean="0"/>
               <a:t>Third level</a:t>
             </a:r>
+            <a:endParaRPr lang="en-US" smtClean="0"/>
           </a:p>
           <a:p>
             <a:pPr lvl="3"/>
@@ -8071,6 +7890,7 @@
               <a:rPr lang="en-US" smtClean="0"/>
               <a:t>Fourth level</a:t>
             </a:r>
+            <a:endParaRPr lang="en-US" smtClean="0"/>
           </a:p>
           <a:p>
             <a:pPr lvl="4"/>
@@ -8151,6 +7971,7 @@
               <a:rPr lang="en-US" smtClean="0"/>
               <a:t>Click to edit Master text styles</a:t>
             </a:r>
+            <a:endParaRPr lang="en-US" smtClean="0"/>
           </a:p>
         </p:txBody>
       </p:sp>
@@ -8179,6 +8000,7 @@
               <a:rPr lang="en-US" smtClean="0"/>
               <a:t>Click to edit Master text styles</a:t>
             </a:r>
+            <a:endParaRPr lang="en-US" smtClean="0"/>
           </a:p>
           <a:p>
             <a:pPr lvl="1"/>
@@ -8186,6 +8008,7 @@
               <a:rPr lang="en-US" smtClean="0"/>
               <a:t>Second level</a:t>
             </a:r>
+            <a:endParaRPr lang="en-US" smtClean="0"/>
           </a:p>
           <a:p>
             <a:pPr lvl="2"/>
@@ -8193,6 +8016,7 @@
               <a:rPr lang="en-US" smtClean="0"/>
               <a:t>Third level</a:t>
             </a:r>
+            <a:endParaRPr lang="en-US" smtClean="0"/>
           </a:p>
           <a:p>
             <a:pPr lvl="3"/>
@@ -8200,6 +8024,7 @@
               <a:rPr lang="en-US" smtClean="0"/>
               <a:t>Fourth level</a:t>
             </a:r>
+            <a:endParaRPr lang="en-US" smtClean="0"/>
           </a:p>
           <a:p>
             <a:pPr lvl="4"/>
@@ -8228,7 +8053,6 @@
           <a:p>
             <a:fld id="{92186134-3781-4E14-A458-3C23E06225C5}" type="datetimeFigureOut">
               <a:rPr lang="en-US" smtClean="0"/>
-              <a:t>9/6/2023</a:t>
             </a:fld>
             <a:endParaRPr lang="en-US"/>
           </a:p>
@@ -8270,18 +8094,12 @@
           <a:p>
             <a:fld id="{31366CE6-C562-4508-9A47-9DFB89CCA727}" type="slidenum">
               <a:rPr lang="en-US" smtClean="0"/>
-              <a:t>‹#›</a:t>
             </a:fld>
             <a:endParaRPr lang="en-US"/>
           </a:p>
         </p:txBody>
       </p:sp>
     </p:spTree>
-    <p:extLst>
-      <p:ext uri="{BB962C8B-B14F-4D97-AF65-F5344CB8AC3E}">
-        <p14:creationId xmlns:p14="http://schemas.microsoft.com/office/powerpoint/2010/main" val="3161268599"/>
-      </p:ext>
-    </p:extLst>
   </p:cSld>
   <p:clrMapOvr>
     <a:masterClrMapping/>
@@ -8346,7 +8164,6 @@
           <a:p>
             <a:fld id="{92186134-3781-4E14-A458-3C23E06225C5}" type="datetimeFigureOut">
               <a:rPr lang="en-US" smtClean="0"/>
-              <a:t>9/6/2023</a:t>
             </a:fld>
             <a:endParaRPr lang="en-US"/>
           </a:p>
@@ -8388,18 +8205,12 @@
           <a:p>
             <a:fld id="{31366CE6-C562-4508-9A47-9DFB89CCA727}" type="slidenum">
               <a:rPr lang="en-US" smtClean="0"/>
-              <a:t>‹#›</a:t>
             </a:fld>
             <a:endParaRPr lang="en-US"/>
           </a:p>
         </p:txBody>
       </p:sp>
     </p:spTree>
-    <p:extLst>
-      <p:ext uri="{BB962C8B-B14F-4D97-AF65-F5344CB8AC3E}">
-        <p14:creationId xmlns:p14="http://schemas.microsoft.com/office/powerpoint/2010/main" val="2735261056"/>
-      </p:ext>
-    </p:extLst>
   </p:cSld>
   <p:clrMapOvr>
     <a:masterClrMapping/>
@@ -8441,7 +8252,6 @@
           <a:p>
             <a:fld id="{92186134-3781-4E14-A458-3C23E06225C5}" type="datetimeFigureOut">
               <a:rPr lang="en-US" smtClean="0"/>
-              <a:t>9/6/2023</a:t>
             </a:fld>
             <a:endParaRPr lang="en-US"/>
           </a:p>
@@ -8483,18 +8293,12 @@
           <a:p>
             <a:fld id="{31366CE6-C562-4508-9A47-9DFB89CCA727}" type="slidenum">
               <a:rPr lang="en-US" smtClean="0"/>
-              <a:t>‹#›</a:t>
             </a:fld>
             <a:endParaRPr lang="en-US"/>
           </a:p>
         </p:txBody>
       </p:sp>
     </p:spTree>
-    <p:extLst>
-      <p:ext uri="{BB962C8B-B14F-4D97-AF65-F5344CB8AC3E}">
-        <p14:creationId xmlns:p14="http://schemas.microsoft.com/office/powerpoint/2010/main" val="1370973094"/>
-      </p:ext>
-    </p:extLst>
   </p:cSld>
   <p:clrMapOvr>
     <a:masterClrMapping/>
@@ -8576,6 +8380,7 @@
               <a:rPr lang="en-US" smtClean="0"/>
               <a:t>Click to edit Master text styles</a:t>
             </a:r>
+            <a:endParaRPr lang="en-US" smtClean="0"/>
           </a:p>
           <a:p>
             <a:pPr lvl="1"/>
@@ -8583,6 +8388,7 @@
               <a:rPr lang="en-US" smtClean="0"/>
               <a:t>Second level</a:t>
             </a:r>
+            <a:endParaRPr lang="en-US" smtClean="0"/>
           </a:p>
           <a:p>
             <a:pPr lvl="2"/>
@@ -8590,6 +8396,7 @@
               <a:rPr lang="en-US" smtClean="0"/>
               <a:t>Third level</a:t>
             </a:r>
+            <a:endParaRPr lang="en-US" smtClean="0"/>
           </a:p>
           <a:p>
             <a:pPr lvl="3"/>
@@ -8597,6 +8404,7 @@
               <a:rPr lang="en-US" smtClean="0"/>
               <a:t>Fourth level</a:t>
             </a:r>
+            <a:endParaRPr lang="en-US" smtClean="0"/>
           </a:p>
           <a:p>
             <a:pPr lvl="4"/>
@@ -8670,6 +8478,7 @@
               <a:rPr lang="en-US" smtClean="0"/>
               <a:t>Click to edit Master text styles</a:t>
             </a:r>
+            <a:endParaRPr lang="en-US" smtClean="0"/>
           </a:p>
         </p:txBody>
       </p:sp>
@@ -8690,7 +8499,6 @@
           <a:p>
             <a:fld id="{92186134-3781-4E14-A458-3C23E06225C5}" type="datetimeFigureOut">
               <a:rPr lang="en-US" smtClean="0"/>
-              <a:t>9/6/2023</a:t>
             </a:fld>
             <a:endParaRPr lang="en-US"/>
           </a:p>
@@ -8732,18 +8540,12 @@
           <a:p>
             <a:fld id="{31366CE6-C562-4508-9A47-9DFB89CCA727}" type="slidenum">
               <a:rPr lang="en-US" smtClean="0"/>
-              <a:t>‹#›</a:t>
             </a:fld>
             <a:endParaRPr lang="en-US"/>
           </a:p>
         </p:txBody>
       </p:sp>
     </p:spTree>
-    <p:extLst>
-      <p:ext uri="{BB962C8B-B14F-4D97-AF65-F5344CB8AC3E}">
-        <p14:creationId xmlns:p14="http://schemas.microsoft.com/office/powerpoint/2010/main" val="3826165037"/>
-      </p:ext>
-    </p:extLst>
   </p:cSld>
   <p:clrMapOvr>
     <a:masterClrMapping/>
@@ -8950,6 +8752,7 @@
               <a:rPr lang="en-US" smtClean="0"/>
               <a:t>Click to edit Master text styles</a:t>
             </a:r>
+            <a:endParaRPr lang="en-US" smtClean="0"/>
           </a:p>
         </p:txBody>
       </p:sp>
@@ -8970,7 +8773,6 @@
           <a:p>
             <a:fld id="{92186134-3781-4E14-A458-3C23E06225C5}" type="datetimeFigureOut">
               <a:rPr lang="en-US" smtClean="0"/>
-              <a:t>9/6/2023</a:t>
             </a:fld>
             <a:endParaRPr lang="en-US"/>
           </a:p>
@@ -9012,18 +8814,12 @@
           <a:p>
             <a:fld id="{31366CE6-C562-4508-9A47-9DFB89CCA727}" type="slidenum">
               <a:rPr lang="en-US" smtClean="0"/>
-              <a:t>‹#›</a:t>
             </a:fld>
             <a:endParaRPr lang="en-US"/>
           </a:p>
         </p:txBody>
       </p:sp>
     </p:spTree>
-    <p:extLst>
-      <p:ext uri="{BB962C8B-B14F-4D97-AF65-F5344CB8AC3E}">
-        <p14:creationId xmlns:p14="http://schemas.microsoft.com/office/powerpoint/2010/main" val="4017659051"/>
-      </p:ext>
-    </p:extLst>
   </p:cSld>
   <p:clrMapOvr>
     <a:masterClrMapping/>
@@ -9062,7 +8858,7 @@
           <p:nvPr/>
         </p:nvPicPr>
         <p:blipFill>
-          <a:blip r:embed="rId19">
+          <a:blip r:embed="rId18">
             <a:alphaModFix amt="30000"/>
             <a:extLst>
               <a:ext uri="{28A0092B-C50C-407E-A947-70E740481C1C}">
@@ -9084,15 +8880,6 @@
             <a:avLst/>
           </a:prstGeom>
           <a:noFill/>
-          <a:extLst>
-            <a:ext uri="{909E8E84-426E-40dd-AFC4-6F175D3DCCD1}">
-              <a14:hiddenFill xmlns:a14="http://schemas.microsoft.com/office/drawing/2010/main" xmlns="">
-                <a:solidFill>
-                  <a:srgbClr val="FFFFFF"/>
-                </a:solidFill>
-              </a14:hiddenFill>
-            </a:ext>
-          </a:extLst>
         </p:spPr>
       </p:pic>
       <p:grpSp>
@@ -9158,18 +8945,6 @@
               <a:ln>
                 <a:noFill/>
               </a:ln>
-              <a:extLst>
-                <a:ext uri="{91240B29-F687-4f45-9708-019B960494DF}">
-                  <a14:hiddenLine xmlns:a14="http://schemas.microsoft.com/office/drawing/2010/main" xmlns="" w="9525">
-                    <a:solidFill>
-                      <a:srgbClr val="000000"/>
-                    </a:solidFill>
-                    <a:miter lim="800000"/>
-                    <a:headEnd/>
-                    <a:tailEnd/>
-                  </a14:hiddenLine>
-                </a:ext>
-              </a:extLst>
             </p:spPr>
           </p:sp>
           <p:sp>
@@ -9248,18 +9023,6 @@
               <a:ln>
                 <a:noFill/>
               </a:ln>
-              <a:extLst>
-                <a:ext uri="{91240B29-F687-4f45-9708-019B960494DF}">
-                  <a14:hiddenLine xmlns:a14="http://schemas.microsoft.com/office/drawing/2010/main" xmlns="" w="9525">
-                    <a:solidFill>
-                      <a:srgbClr val="000000"/>
-                    </a:solidFill>
-                    <a:round/>
-                    <a:headEnd/>
-                    <a:tailEnd/>
-                  </a14:hiddenLine>
-                </a:ext>
-              </a:extLst>
             </p:spPr>
           </p:sp>
           <p:sp>
@@ -9338,18 +9101,6 @@
               <a:ln>
                 <a:noFill/>
               </a:ln>
-              <a:extLst>
-                <a:ext uri="{91240B29-F687-4f45-9708-019B960494DF}">
-                  <a14:hiddenLine xmlns:a14="http://schemas.microsoft.com/office/drawing/2010/main" xmlns="" w="9525">
-                    <a:solidFill>
-                      <a:srgbClr val="000000"/>
-                    </a:solidFill>
-                    <a:round/>
-                    <a:headEnd/>
-                    <a:tailEnd/>
-                  </a14:hiddenLine>
-                </a:ext>
-              </a:extLst>
             </p:spPr>
           </p:sp>
           <p:sp>
@@ -9400,18 +9151,6 @@
               <a:ln>
                 <a:noFill/>
               </a:ln>
-              <a:extLst>
-                <a:ext uri="{91240B29-F687-4f45-9708-019B960494DF}">
-                  <a14:hiddenLine xmlns:a14="http://schemas.microsoft.com/office/drawing/2010/main" xmlns="" w="9525">
-                    <a:solidFill>
-                      <a:srgbClr val="000000"/>
-                    </a:solidFill>
-                    <a:round/>
-                    <a:headEnd/>
-                    <a:tailEnd/>
-                  </a14:hiddenLine>
-                </a:ext>
-              </a:extLst>
             </p:spPr>
           </p:sp>
           <p:sp>
@@ -9490,18 +9229,6 @@
               <a:ln>
                 <a:noFill/>
               </a:ln>
-              <a:extLst>
-                <a:ext uri="{91240B29-F687-4f45-9708-019B960494DF}">
-                  <a14:hiddenLine xmlns:a14="http://schemas.microsoft.com/office/drawing/2010/main" xmlns="" w="9525">
-                    <a:solidFill>
-                      <a:srgbClr val="000000"/>
-                    </a:solidFill>
-                    <a:round/>
-                    <a:headEnd/>
-                    <a:tailEnd/>
-                  </a14:hiddenLine>
-                </a:ext>
-              </a:extLst>
             </p:spPr>
           </p:sp>
           <p:sp>
@@ -9552,18 +9279,6 @@
               <a:ln>
                 <a:noFill/>
               </a:ln>
-              <a:extLst>
-                <a:ext uri="{91240B29-F687-4f45-9708-019B960494DF}">
-                  <a14:hiddenLine xmlns:a14="http://schemas.microsoft.com/office/drawing/2010/main" xmlns="" w="9525">
-                    <a:solidFill>
-                      <a:srgbClr val="000000"/>
-                    </a:solidFill>
-                    <a:round/>
-                    <a:headEnd/>
-                    <a:tailEnd/>
-                  </a14:hiddenLine>
-                </a:ext>
-              </a:extLst>
             </p:spPr>
           </p:sp>
           <p:sp>
@@ -9614,18 +9329,6 @@
               <a:ln>
                 <a:noFill/>
               </a:ln>
-              <a:extLst>
-                <a:ext uri="{91240B29-F687-4f45-9708-019B960494DF}">
-                  <a14:hiddenLine xmlns:a14="http://schemas.microsoft.com/office/drawing/2010/main" xmlns="" w="9525">
-                    <a:solidFill>
-                      <a:srgbClr val="000000"/>
-                    </a:solidFill>
-                    <a:round/>
-                    <a:headEnd/>
-                    <a:tailEnd/>
-                  </a14:hiddenLine>
-                </a:ext>
-              </a:extLst>
             </p:spPr>
           </p:sp>
           <p:sp>
@@ -9704,18 +9407,6 @@
               <a:ln>
                 <a:noFill/>
               </a:ln>
-              <a:extLst>
-                <a:ext uri="{91240B29-F687-4f45-9708-019B960494DF}">
-                  <a14:hiddenLine xmlns:a14="http://schemas.microsoft.com/office/drawing/2010/main" xmlns="" w="9525">
-                    <a:solidFill>
-                      <a:srgbClr val="000000"/>
-                    </a:solidFill>
-                    <a:round/>
-                    <a:headEnd/>
-                    <a:tailEnd/>
-                  </a14:hiddenLine>
-                </a:ext>
-              </a:extLst>
             </p:spPr>
           </p:sp>
           <p:sp>
@@ -9794,18 +9485,6 @@
               <a:ln>
                 <a:noFill/>
               </a:ln>
-              <a:extLst>
-                <a:ext uri="{91240B29-F687-4f45-9708-019B960494DF}">
-                  <a14:hiddenLine xmlns:a14="http://schemas.microsoft.com/office/drawing/2010/main" xmlns="" w="9525">
-                    <a:solidFill>
-                      <a:srgbClr val="000000"/>
-                    </a:solidFill>
-                    <a:round/>
-                    <a:headEnd/>
-                    <a:tailEnd/>
-                  </a14:hiddenLine>
-                </a:ext>
-              </a:extLst>
             </p:spPr>
           </p:sp>
           <p:sp>
@@ -9856,18 +9535,6 @@
               <a:ln>
                 <a:noFill/>
               </a:ln>
-              <a:extLst>
-                <a:ext uri="{91240B29-F687-4f45-9708-019B960494DF}">
-                  <a14:hiddenLine xmlns:a14="http://schemas.microsoft.com/office/drawing/2010/main" xmlns="" w="9525">
-                    <a:solidFill>
-                      <a:srgbClr val="000000"/>
-                    </a:solidFill>
-                    <a:round/>
-                    <a:headEnd/>
-                    <a:tailEnd/>
-                  </a14:hiddenLine>
-                </a:ext>
-              </a:extLst>
             </p:spPr>
           </p:sp>
           <p:sp>
@@ -9966,18 +9633,6 @@
               <a:ln>
                 <a:noFill/>
               </a:ln>
-              <a:extLst>
-                <a:ext uri="{91240B29-F687-4f45-9708-019B960494DF}">
-                  <a14:hiddenLine xmlns:a14="http://schemas.microsoft.com/office/drawing/2010/main" xmlns="" w="9525">
-                    <a:solidFill>
-                      <a:srgbClr val="000000"/>
-                    </a:solidFill>
-                    <a:round/>
-                    <a:headEnd/>
-                    <a:tailEnd/>
-                  </a14:hiddenLine>
-                </a:ext>
-              </a:extLst>
             </p:spPr>
           </p:sp>
           <p:sp>
@@ -10003,8 +9658,6 @@
                 </a:solidFill>
                 <a:prstDash val="solid"/>
                 <a:miter lim="800000"/>
-                <a:headEnd/>
-                <a:tailEnd/>
               </a:ln>
             </p:spPr>
           </p:sp>
@@ -10050,18 +9703,6 @@
               <a:ln>
                 <a:noFill/>
               </a:ln>
-              <a:extLst>
-                <a:ext uri="{91240B29-F687-4f45-9708-019B960494DF}">
-                  <a14:hiddenLine xmlns:a14="http://schemas.microsoft.com/office/drawing/2010/main" xmlns="" w="9525">
-                    <a:solidFill>
-                      <a:srgbClr val="000000"/>
-                    </a:solidFill>
-                    <a:round/>
-                    <a:headEnd/>
-                    <a:tailEnd/>
-                  </a14:hiddenLine>
-                </a:ext>
-              </a:extLst>
             </p:spPr>
           </p:sp>
           <p:sp>
@@ -10112,18 +9753,6 @@
               <a:ln>
                 <a:noFill/>
               </a:ln>
-              <a:extLst>
-                <a:ext uri="{91240B29-F687-4f45-9708-019B960494DF}">
-                  <a14:hiddenLine xmlns:a14="http://schemas.microsoft.com/office/drawing/2010/main" xmlns="" w="9525">
-                    <a:solidFill>
-                      <a:srgbClr val="000000"/>
-                    </a:solidFill>
-                    <a:round/>
-                    <a:headEnd/>
-                    <a:tailEnd/>
-                  </a14:hiddenLine>
-                </a:ext>
-              </a:extLst>
             </p:spPr>
           </p:sp>
           <p:sp>
@@ -10174,18 +9803,6 @@
               <a:ln>
                 <a:noFill/>
               </a:ln>
-              <a:extLst>
-                <a:ext uri="{91240B29-F687-4f45-9708-019B960494DF}">
-                  <a14:hiddenLine xmlns:a14="http://schemas.microsoft.com/office/drawing/2010/main" xmlns="" w="9525">
-                    <a:solidFill>
-                      <a:srgbClr val="000000"/>
-                    </a:solidFill>
-                    <a:round/>
-                    <a:headEnd/>
-                    <a:tailEnd/>
-                  </a14:hiddenLine>
-                </a:ext>
-              </a:extLst>
             </p:spPr>
           </p:sp>
           <p:sp>
@@ -10264,18 +9881,6 @@
               <a:ln>
                 <a:noFill/>
               </a:ln>
-              <a:extLst>
-                <a:ext uri="{91240B29-F687-4f45-9708-019B960494DF}">
-                  <a14:hiddenLine xmlns:a14="http://schemas.microsoft.com/office/drawing/2010/main" xmlns="" w="9525">
-                    <a:solidFill>
-                      <a:srgbClr val="000000"/>
-                    </a:solidFill>
-                    <a:round/>
-                    <a:headEnd/>
-                    <a:tailEnd/>
-                  </a14:hiddenLine>
-                </a:ext>
-              </a:extLst>
             </p:spPr>
           </p:sp>
           <p:sp>
@@ -10298,18 +9903,6 @@
               <a:ln>
                 <a:noFill/>
               </a:ln>
-              <a:extLst>
-                <a:ext uri="{91240B29-F687-4f45-9708-019B960494DF}">
-                  <a14:hiddenLine xmlns:a14="http://schemas.microsoft.com/office/drawing/2010/main" xmlns="" w="9525">
-                    <a:solidFill>
-                      <a:srgbClr val="000000"/>
-                    </a:solidFill>
-                    <a:miter lim="800000"/>
-                    <a:headEnd/>
-                    <a:tailEnd/>
-                  </a14:hiddenLine>
-                </a:ext>
-              </a:extLst>
             </p:spPr>
           </p:sp>
           <p:sp>
@@ -10363,18 +9956,6 @@
               <a:ln>
                 <a:noFill/>
               </a:ln>
-              <a:extLst>
-                <a:ext uri="{91240B29-F687-4f45-9708-019B960494DF}">
-                  <a14:hiddenLine xmlns:a14="http://schemas.microsoft.com/office/drawing/2010/main" xmlns="" w="9525">
-                    <a:solidFill>
-                      <a:srgbClr val="000000"/>
-                    </a:solidFill>
-                    <a:round/>
-                    <a:headEnd/>
-                    <a:tailEnd/>
-                  </a14:hiddenLine>
-                </a:ext>
-              </a:extLst>
             </p:spPr>
           </p:sp>
           <p:sp>
@@ -10453,18 +10034,6 @@
               <a:ln>
                 <a:noFill/>
               </a:ln>
-              <a:extLst>
-                <a:ext uri="{91240B29-F687-4f45-9708-019B960494DF}">
-                  <a14:hiddenLine xmlns:a14="http://schemas.microsoft.com/office/drawing/2010/main" xmlns="" w="9525">
-                    <a:solidFill>
-                      <a:srgbClr val="000000"/>
-                    </a:solidFill>
-                    <a:round/>
-                    <a:headEnd/>
-                    <a:tailEnd/>
-                  </a14:hiddenLine>
-                </a:ext>
-              </a:extLst>
             </p:spPr>
           </p:sp>
           <p:sp>
@@ -10515,18 +10084,6 @@
               <a:ln>
                 <a:noFill/>
               </a:ln>
-              <a:extLst>
-                <a:ext uri="{91240B29-F687-4f45-9708-019B960494DF}">
-                  <a14:hiddenLine xmlns:a14="http://schemas.microsoft.com/office/drawing/2010/main" xmlns="" w="9525">
-                    <a:solidFill>
-                      <a:srgbClr val="000000"/>
-                    </a:solidFill>
-                    <a:round/>
-                    <a:headEnd/>
-                    <a:tailEnd/>
-                  </a14:hiddenLine>
-                </a:ext>
-              </a:extLst>
             </p:spPr>
           </p:sp>
           <p:sp>
@@ -10605,18 +10162,6 @@
               <a:ln>
                 <a:noFill/>
               </a:ln>
-              <a:extLst>
-                <a:ext uri="{91240B29-F687-4f45-9708-019B960494DF}">
-                  <a14:hiddenLine xmlns:a14="http://schemas.microsoft.com/office/drawing/2010/main" xmlns="" w="9525">
-                    <a:solidFill>
-                      <a:srgbClr val="000000"/>
-                    </a:solidFill>
-                    <a:round/>
-                    <a:headEnd/>
-                    <a:tailEnd/>
-                  </a14:hiddenLine>
-                </a:ext>
-              </a:extLst>
             </p:spPr>
           </p:sp>
           <p:sp>
@@ -10670,18 +10215,6 @@
               <a:ln>
                 <a:noFill/>
               </a:ln>
-              <a:extLst>
-                <a:ext uri="{91240B29-F687-4f45-9708-019B960494DF}">
-                  <a14:hiddenLine xmlns:a14="http://schemas.microsoft.com/office/drawing/2010/main" xmlns="" w="9525">
-                    <a:solidFill>
-                      <a:srgbClr val="000000"/>
-                    </a:solidFill>
-                    <a:round/>
-                    <a:headEnd/>
-                    <a:tailEnd/>
-                  </a14:hiddenLine>
-                </a:ext>
-              </a:extLst>
             </p:spPr>
           </p:sp>
           <p:sp>
@@ -10732,18 +10265,6 @@
               <a:ln>
                 <a:noFill/>
               </a:ln>
-              <a:extLst>
-                <a:ext uri="{91240B29-F687-4f45-9708-019B960494DF}">
-                  <a14:hiddenLine xmlns:a14="http://schemas.microsoft.com/office/drawing/2010/main" xmlns="" w="9525">
-                    <a:solidFill>
-                      <a:srgbClr val="000000"/>
-                    </a:solidFill>
-                    <a:round/>
-                    <a:headEnd/>
-                    <a:tailEnd/>
-                  </a14:hiddenLine>
-                </a:ext>
-              </a:extLst>
             </p:spPr>
           </p:sp>
           <p:sp>
@@ -10822,18 +10343,6 @@
               <a:ln>
                 <a:noFill/>
               </a:ln>
-              <a:extLst>
-                <a:ext uri="{91240B29-F687-4f45-9708-019B960494DF}">
-                  <a14:hiddenLine xmlns:a14="http://schemas.microsoft.com/office/drawing/2010/main" xmlns="" w="9525">
-                    <a:solidFill>
-                      <a:srgbClr val="000000"/>
-                    </a:solidFill>
-                    <a:round/>
-                    <a:headEnd/>
-                    <a:tailEnd/>
-                  </a14:hiddenLine>
-                </a:ext>
-              </a:extLst>
             </p:spPr>
           </p:sp>
           <p:sp>
@@ -10912,18 +10421,6 @@
               <a:ln>
                 <a:noFill/>
               </a:ln>
-              <a:extLst>
-                <a:ext uri="{91240B29-F687-4f45-9708-019B960494DF}">
-                  <a14:hiddenLine xmlns:a14="http://schemas.microsoft.com/office/drawing/2010/main" xmlns="" w="9525">
-                    <a:solidFill>
-                      <a:srgbClr val="000000"/>
-                    </a:solidFill>
-                    <a:round/>
-                    <a:headEnd/>
-                    <a:tailEnd/>
-                  </a14:hiddenLine>
-                </a:ext>
-              </a:extLst>
             </p:spPr>
           </p:sp>
           <p:sp>
@@ -10977,18 +10474,6 @@
               <a:ln>
                 <a:noFill/>
               </a:ln>
-              <a:extLst>
-                <a:ext uri="{91240B29-F687-4f45-9708-019B960494DF}">
-                  <a14:hiddenLine xmlns:a14="http://schemas.microsoft.com/office/drawing/2010/main" xmlns="" w="9525">
-                    <a:solidFill>
-                      <a:srgbClr val="000000"/>
-                    </a:solidFill>
-                    <a:round/>
-                    <a:headEnd/>
-                    <a:tailEnd/>
-                  </a14:hiddenLine>
-                </a:ext>
-              </a:extLst>
             </p:spPr>
           </p:sp>
           <p:sp>
@@ -11097,18 +10582,6 @@
               <a:ln>
                 <a:noFill/>
               </a:ln>
-              <a:extLst>
-                <a:ext uri="{91240B29-F687-4f45-9708-019B960494DF}">
-                  <a14:hiddenLine xmlns:a14="http://schemas.microsoft.com/office/drawing/2010/main" xmlns="" w="9525">
-                    <a:solidFill>
-                      <a:srgbClr val="000000"/>
-                    </a:solidFill>
-                    <a:round/>
-                    <a:headEnd/>
-                    <a:tailEnd/>
-                  </a14:hiddenLine>
-                </a:ext>
-              </a:extLst>
             </p:spPr>
           </p:sp>
         </p:grpSp>
@@ -11195,18 +10668,6 @@
               <a:ln>
                 <a:noFill/>
               </a:ln>
-              <a:extLst>
-                <a:ext uri="{91240B29-F687-4f45-9708-019B960494DF}">
-                  <a14:hiddenLine xmlns:a14="http://schemas.microsoft.com/office/drawing/2010/main" xmlns="" w="9525">
-                    <a:solidFill>
-                      <a:srgbClr val="000000"/>
-                    </a:solidFill>
-                    <a:round/>
-                    <a:headEnd/>
-                    <a:tailEnd/>
-                  </a14:hiddenLine>
-                </a:ext>
-              </a:extLst>
             </p:spPr>
           </p:sp>
           <p:sp>
@@ -11310,18 +10771,6 @@
               <a:ln>
                 <a:noFill/>
               </a:ln>
-              <a:extLst>
-                <a:ext uri="{91240B29-F687-4f45-9708-019B960494DF}">
-                  <a14:hiddenLine xmlns:a14="http://schemas.microsoft.com/office/drawing/2010/main" xmlns="" w="9525">
-                    <a:solidFill>
-                      <a:srgbClr val="000000"/>
-                    </a:solidFill>
-                    <a:round/>
-                    <a:headEnd/>
-                    <a:tailEnd/>
-                  </a14:hiddenLine>
-                </a:ext>
-              </a:extLst>
             </p:spPr>
           </p:sp>
           <p:sp>
@@ -11400,18 +10849,6 @@
               <a:ln>
                 <a:noFill/>
               </a:ln>
-              <a:extLst>
-                <a:ext uri="{91240B29-F687-4f45-9708-019B960494DF}">
-                  <a14:hiddenLine xmlns:a14="http://schemas.microsoft.com/office/drawing/2010/main" xmlns="" w="9525">
-                    <a:solidFill>
-                      <a:srgbClr val="000000"/>
-                    </a:solidFill>
-                    <a:round/>
-                    <a:headEnd/>
-                    <a:tailEnd/>
-                  </a14:hiddenLine>
-                </a:ext>
-              </a:extLst>
             </p:spPr>
           </p:sp>
           <p:sp>
@@ -11465,18 +10902,6 @@
               <a:ln>
                 <a:noFill/>
               </a:ln>
-              <a:extLst>
-                <a:ext uri="{91240B29-F687-4f45-9708-019B960494DF}">
-                  <a14:hiddenLine xmlns:a14="http://schemas.microsoft.com/office/drawing/2010/main" xmlns="" w="9525">
-                    <a:solidFill>
-                      <a:srgbClr val="000000"/>
-                    </a:solidFill>
-                    <a:round/>
-                    <a:headEnd/>
-                    <a:tailEnd/>
-                  </a14:hiddenLine>
-                </a:ext>
-              </a:extLst>
             </p:spPr>
           </p:sp>
           <p:sp>
@@ -11555,18 +10980,6 @@
               <a:ln>
                 <a:noFill/>
               </a:ln>
-              <a:extLst>
-                <a:ext uri="{91240B29-F687-4f45-9708-019B960494DF}">
-                  <a14:hiddenLine xmlns:a14="http://schemas.microsoft.com/office/drawing/2010/main" xmlns="" w="9525">
-                    <a:solidFill>
-                      <a:srgbClr val="000000"/>
-                    </a:solidFill>
-                    <a:round/>
-                    <a:headEnd/>
-                    <a:tailEnd/>
-                  </a14:hiddenLine>
-                </a:ext>
-              </a:extLst>
             </p:spPr>
           </p:sp>
           <p:sp>
@@ -11623,18 +11036,6 @@
               <a:ln>
                 <a:noFill/>
               </a:ln>
-              <a:extLst>
-                <a:ext uri="{91240B29-F687-4f45-9708-019B960494DF}">
-                  <a14:hiddenLine xmlns:a14="http://schemas.microsoft.com/office/drawing/2010/main" xmlns="" w="9525">
-                    <a:solidFill>
-                      <a:srgbClr val="000000"/>
-                    </a:solidFill>
-                    <a:round/>
-                    <a:headEnd/>
-                    <a:tailEnd/>
-                  </a14:hiddenLine>
-                </a:ext>
-              </a:extLst>
             </p:spPr>
           </p:sp>
           <p:sp>
@@ -11713,18 +11114,6 @@
               <a:ln>
                 <a:noFill/>
               </a:ln>
-              <a:extLst>
-                <a:ext uri="{91240B29-F687-4f45-9708-019B960494DF}">
-                  <a14:hiddenLine xmlns:a14="http://schemas.microsoft.com/office/drawing/2010/main" xmlns="" w="9525">
-                    <a:solidFill>
-                      <a:srgbClr val="000000"/>
-                    </a:solidFill>
-                    <a:round/>
-                    <a:headEnd/>
-                    <a:tailEnd/>
-                  </a14:hiddenLine>
-                </a:ext>
-              </a:extLst>
             </p:spPr>
           </p:sp>
           <p:sp>
@@ -11781,18 +11170,6 @@
               <a:ln>
                 <a:noFill/>
               </a:ln>
-              <a:extLst>
-                <a:ext uri="{91240B29-F687-4f45-9708-019B960494DF}">
-                  <a14:hiddenLine xmlns:a14="http://schemas.microsoft.com/office/drawing/2010/main" xmlns="" w="9525">
-                    <a:solidFill>
-                      <a:srgbClr val="000000"/>
-                    </a:solidFill>
-                    <a:round/>
-                    <a:headEnd/>
-                    <a:tailEnd/>
-                  </a14:hiddenLine>
-                </a:ext>
-              </a:extLst>
             </p:spPr>
           </p:sp>
           <p:sp>
@@ -11871,18 +11248,6 @@
               <a:ln>
                 <a:noFill/>
               </a:ln>
-              <a:extLst>
-                <a:ext uri="{91240B29-F687-4f45-9708-019B960494DF}">
-                  <a14:hiddenLine xmlns:a14="http://schemas.microsoft.com/office/drawing/2010/main" xmlns="" w="9525">
-                    <a:solidFill>
-                      <a:srgbClr val="000000"/>
-                    </a:solidFill>
-                    <a:round/>
-                    <a:headEnd/>
-                    <a:tailEnd/>
-                  </a14:hiddenLine>
-                </a:ext>
-              </a:extLst>
             </p:spPr>
           </p:sp>
           <p:sp>
@@ -11905,18 +11270,6 @@
               <a:ln>
                 <a:noFill/>
               </a:ln>
-              <a:extLst>
-                <a:ext uri="{91240B29-F687-4f45-9708-019B960494DF}">
-                  <a14:hiddenLine xmlns:a14="http://schemas.microsoft.com/office/drawing/2010/main" xmlns="" w="9525">
-                    <a:solidFill>
-                      <a:srgbClr val="000000"/>
-                    </a:solidFill>
-                    <a:miter lim="800000"/>
-                    <a:headEnd/>
-                    <a:tailEnd/>
-                  </a14:hiddenLine>
-                </a:ext>
-              </a:extLst>
             </p:spPr>
           </p:sp>
         </p:grpSp>
@@ -11980,6 +11333,7 @@
               <a:rPr lang="en-US" smtClean="0"/>
               <a:t>Click to edit Master text styles</a:t>
             </a:r>
+            <a:endParaRPr lang="en-US" smtClean="0"/>
           </a:p>
           <a:p>
             <a:pPr lvl="1"/>
@@ -11987,6 +11341,7 @@
               <a:rPr lang="en-US" smtClean="0"/>
               <a:t>Second level</a:t>
             </a:r>
+            <a:endParaRPr lang="en-US" smtClean="0"/>
           </a:p>
           <a:p>
             <a:pPr lvl="2"/>
@@ -11994,6 +11349,7 @@
               <a:rPr lang="en-US" smtClean="0"/>
               <a:t>Third level</a:t>
             </a:r>
+            <a:endParaRPr lang="en-US" smtClean="0"/>
           </a:p>
           <a:p>
             <a:pPr lvl="3"/>
@@ -12001,6 +11357,7 @@
               <a:rPr lang="en-US" smtClean="0"/>
               <a:t>Fourth level</a:t>
             </a:r>
+            <a:endParaRPr lang="en-US" smtClean="0"/>
           </a:p>
           <a:p>
             <a:pPr lvl="4"/>
@@ -12047,7 +11404,6 @@
           <a:p>
             <a:fld id="{92186134-3781-4E14-A458-3C23E06225C5}" type="datetimeFigureOut">
               <a:rPr lang="en-US" smtClean="0"/>
-              <a:t>9/6/2023</a:t>
             </a:fld>
             <a:endParaRPr lang="en-US"/>
           </a:p>
@@ -12125,38 +11481,32 @@
           <a:p>
             <a:fld id="{31366CE6-C562-4508-9A47-9DFB89CCA727}" type="slidenum">
               <a:rPr lang="en-US" smtClean="0"/>
-              <a:t>‹#›</a:t>
             </a:fld>
             <a:endParaRPr lang="en-US"/>
           </a:p>
         </p:txBody>
       </p:sp>
     </p:spTree>
-    <p:extLst>
-      <p:ext uri="{BB962C8B-B14F-4D97-AF65-F5344CB8AC3E}">
-        <p14:creationId xmlns:p14="http://schemas.microsoft.com/office/powerpoint/2010/main" val="784914200"/>
-      </p:ext>
-    </p:extLst>
   </p:cSld>
   <p:clrMap bg1="dk1" tx1="lt1" bg2="dk2" tx2="lt2" accent1="accent1" accent2="accent2" accent3="accent3" accent4="accent4" accent5="accent5" accent6="accent6" hlink="hlink" folHlink="folHlink"/>
   <p:sldLayoutIdLst>
-    <p:sldLayoutId id="2147483918" r:id="rId1"/>
-    <p:sldLayoutId id="2147483919" r:id="rId2"/>
-    <p:sldLayoutId id="2147483920" r:id="rId3"/>
-    <p:sldLayoutId id="2147483921" r:id="rId4"/>
-    <p:sldLayoutId id="2147483922" r:id="rId5"/>
-    <p:sldLayoutId id="2147483923" r:id="rId6"/>
-    <p:sldLayoutId id="2147483924" r:id="rId7"/>
-    <p:sldLayoutId id="2147483925" r:id="rId8"/>
-    <p:sldLayoutId id="2147483926" r:id="rId9"/>
-    <p:sldLayoutId id="2147483927" r:id="rId10"/>
-    <p:sldLayoutId id="2147483928" r:id="rId11"/>
-    <p:sldLayoutId id="2147483929" r:id="rId12"/>
-    <p:sldLayoutId id="2147483930" r:id="rId13"/>
-    <p:sldLayoutId id="2147483931" r:id="rId14"/>
-    <p:sldLayoutId id="2147483932" r:id="rId15"/>
-    <p:sldLayoutId id="2147483933" r:id="rId16"/>
-    <p:sldLayoutId id="2147483934" r:id="rId17"/>
+    <p:sldLayoutId id="2147483649" r:id="rId1"/>
+    <p:sldLayoutId id="2147483650" r:id="rId2"/>
+    <p:sldLayoutId id="2147483651" r:id="rId3"/>
+    <p:sldLayoutId id="2147483652" r:id="rId4"/>
+    <p:sldLayoutId id="2147483653" r:id="rId5"/>
+    <p:sldLayoutId id="2147483654" r:id="rId6"/>
+    <p:sldLayoutId id="2147483655" r:id="rId7"/>
+    <p:sldLayoutId id="2147483656" r:id="rId8"/>
+    <p:sldLayoutId id="2147483657" r:id="rId9"/>
+    <p:sldLayoutId id="2147483658" r:id="rId10"/>
+    <p:sldLayoutId id="2147483659" r:id="rId11"/>
+    <p:sldLayoutId id="2147483660" r:id="rId12"/>
+    <p:sldLayoutId id="2147483661" r:id="rId13"/>
+    <p:sldLayoutId id="2147483662" r:id="rId14"/>
+    <p:sldLayoutId id="2147483663" r:id="rId15"/>
+    <p:sldLayoutId id="2147483664" r:id="rId16"/>
+    <p:sldLayoutId id="2147483665" r:id="rId17"/>
   </p:sldLayoutIdLst>
   <p:txStyles>
     <p:titleStyle>
@@ -12514,11 +11864,6 @@
         </p:txBody>
       </p:sp>
     </p:spTree>
-    <p:extLst>
-      <p:ext uri="{BB962C8B-B14F-4D97-AF65-F5344CB8AC3E}">
-        <p14:creationId xmlns:p14="http://schemas.microsoft.com/office/powerpoint/2010/main" val="488807370"/>
-      </p:ext>
-    </p:extLst>
   </p:cSld>
   <p:clrMapOvr>
     <a:masterClrMapping/>
@@ -12595,6 +11940,7 @@
               <a:rPr lang="en-US" dirty="0"/>
               <a:t> </a:t>
             </a:r>
+            <a:endParaRPr lang="en-US" dirty="0"/>
           </a:p>
           <a:p>
             <a:pPr lvl="1" fontAlgn="base"/>
@@ -12610,6 +11956,7 @@
               <a:rPr lang="en-US" dirty="0"/>
               <a:t> bits.</a:t>
             </a:r>
+            <a:endParaRPr lang="en-US" dirty="0"/>
           </a:p>
           <a:p>
             <a:pPr lvl="1" fontAlgn="base"/>
@@ -12617,6 +11964,7 @@
               <a:rPr lang="en-US" dirty="0"/>
               <a:t>CBC is a good authentication mechanism.</a:t>
             </a:r>
+            <a:endParaRPr lang="en-US" dirty="0"/>
           </a:p>
           <a:p>
             <a:pPr lvl="1" fontAlgn="base"/>
@@ -12624,6 +11972,7 @@
               <a:rPr lang="en-US" dirty="0"/>
               <a:t>Better resistive nature towards cryptanalysis than ECB.</a:t>
             </a:r>
+            <a:endParaRPr lang="en-US" dirty="0"/>
           </a:p>
           <a:p>
             <a:pPr fontAlgn="base"/>
@@ -12635,6 +11984,7 @@
               <a:rPr lang="en-US" dirty="0"/>
               <a:t>  </a:t>
             </a:r>
+            <a:endParaRPr lang="en-US" dirty="0"/>
           </a:p>
           <a:p>
             <a:pPr lvl="1" fontAlgn="base"/>
@@ -12642,18 +11992,14 @@
               <a:rPr lang="en-US" dirty="0"/>
               <a:t>Parallel encryption is not possible since every encryption requires a previous cipher. </a:t>
             </a:r>
-          </a:p>
-          <a:p>
             <a:endParaRPr lang="en-US" dirty="0"/>
           </a:p>
+          <a:p>
+            <a:endParaRPr lang="en-US" dirty="0"/>
+          </a:p>
         </p:txBody>
       </p:sp>
     </p:spTree>
-    <p:extLst>
-      <p:ext uri="{BB962C8B-B14F-4D97-AF65-F5344CB8AC3E}">
-        <p14:creationId xmlns:p14="http://schemas.microsoft.com/office/powerpoint/2010/main" val="790067523"/>
-      </p:ext>
-    </p:extLst>
   </p:cSld>
   <p:clrMapOvr>
     <a:masterClrMapping/>
@@ -12766,6 +12112,7 @@
               <a:rPr lang="en-US" dirty="0" smtClean="0"/>
               <a:t>.</a:t>
             </a:r>
+            <a:endParaRPr lang="en-US" dirty="0" smtClean="0"/>
           </a:p>
           <a:p>
             <a:r>
@@ -12827,11 +12174,6 @@
         </p:txBody>
       </p:sp>
     </p:spTree>
-    <p:extLst>
-      <p:ext uri="{BB962C8B-B14F-4D97-AF65-F5344CB8AC3E}">
-        <p14:creationId xmlns:p14="http://schemas.microsoft.com/office/powerpoint/2010/main" val="731360103"/>
-      </p:ext>
-    </p:extLst>
   </p:cSld>
   <p:clrMapOvr>
     <a:masterClrMapping/>
@@ -12886,7 +12228,7 @@
           </p:nvPr>
         </p:nvPicPr>
         <p:blipFill>
-          <a:blip r:embed="rId2"/>
+          <a:blip r:embed="rId1"/>
           <a:stretch>
             <a:fillRect/>
           </a:stretch>
@@ -12902,11 +12244,6 @@
         </p:spPr>
       </p:pic>
     </p:spTree>
-    <p:extLst>
-      <p:ext uri="{BB962C8B-B14F-4D97-AF65-F5344CB8AC3E}">
-        <p14:creationId xmlns:p14="http://schemas.microsoft.com/office/powerpoint/2010/main" val="293262747"/>
-      </p:ext>
-    </p:extLst>
   </p:cSld>
   <p:clrMapOvr>
     <a:masterClrMapping/>
@@ -12976,6 +12313,7 @@
               <a:rPr lang="en-US" dirty="0"/>
               <a:t> </a:t>
             </a:r>
+            <a:endParaRPr lang="en-US" dirty="0"/>
           </a:p>
           <a:p>
             <a:pPr lvl="1" fontAlgn="base"/>
@@ -12983,6 +12321,7 @@
               <a:rPr lang="en-US" dirty="0"/>
               <a:t>Since, there is some data loss due to the use of shift register, thus it is difficult for applying cryptanalysis. </a:t>
             </a:r>
+            <a:endParaRPr lang="en-US" dirty="0"/>
           </a:p>
           <a:p>
             <a:pPr fontAlgn="base"/>
@@ -12998,18 +12337,14 @@
               <a:rPr lang="en-US" dirty="0"/>
               <a:t>The drawbacks of CFB are the same as those of CBC mode. Both block losses and concurrent encryption of several blocks are not supported by the encryption. Decryption, however, is parallelizable and loss-tolerant.</a:t>
             </a:r>
-          </a:p>
-          <a:p>
             <a:endParaRPr lang="en-US" dirty="0"/>
           </a:p>
+          <a:p>
+            <a:endParaRPr lang="en-US" dirty="0"/>
+          </a:p>
         </p:txBody>
       </p:sp>
     </p:spTree>
-    <p:extLst>
-      <p:ext uri="{BB962C8B-B14F-4D97-AF65-F5344CB8AC3E}">
-        <p14:creationId xmlns:p14="http://schemas.microsoft.com/office/powerpoint/2010/main" val="1321138764"/>
-      </p:ext>
-    </p:extLst>
   </p:cSld>
   <p:clrMapOvr>
     <a:masterClrMapping/>
@@ -13113,11 +12448,6 @@
         </p:txBody>
       </p:sp>
     </p:spTree>
-    <p:extLst>
-      <p:ext uri="{BB962C8B-B14F-4D97-AF65-F5344CB8AC3E}">
-        <p14:creationId xmlns:p14="http://schemas.microsoft.com/office/powerpoint/2010/main" val="391151326"/>
-      </p:ext>
-    </p:extLst>
   </p:cSld>
   <p:clrMapOvr>
     <a:masterClrMapping/>
@@ -13189,7 +12519,7 @@
           <p:nvPr/>
         </p:nvPicPr>
         <p:blipFill>
-          <a:blip r:embed="rId2"/>
+          <a:blip r:embed="rId1"/>
           <a:stretch>
             <a:fillRect/>
           </a:stretch>
@@ -13205,11 +12535,6 @@
         </p:spPr>
       </p:pic>
     </p:spTree>
-    <p:extLst>
-      <p:ext uri="{BB962C8B-B14F-4D97-AF65-F5344CB8AC3E}">
-        <p14:creationId xmlns:p14="http://schemas.microsoft.com/office/powerpoint/2010/main" val="216337087"/>
-      </p:ext>
-    </p:extLst>
   </p:cSld>
   <p:clrMapOvr>
     <a:masterClrMapping/>
@@ -13335,11 +12660,6 @@
         </p:txBody>
       </p:sp>
     </p:spTree>
-    <p:extLst>
-      <p:ext uri="{BB962C8B-B14F-4D97-AF65-F5344CB8AC3E}">
-        <p14:creationId xmlns:p14="http://schemas.microsoft.com/office/powerpoint/2010/main" val="3645226046"/>
-      </p:ext>
-    </p:extLst>
   </p:cSld>
   <p:clrMapOvr>
     <a:masterClrMapping/>
@@ -13411,7 +12731,7 @@
           <p:nvPr/>
         </p:nvPicPr>
         <p:blipFill>
-          <a:blip r:embed="rId2"/>
+          <a:blip r:embed="rId1"/>
           <a:stretch>
             <a:fillRect/>
           </a:stretch>
@@ -13427,11 +12747,6 @@
         </p:spPr>
       </p:pic>
     </p:spTree>
-    <p:extLst>
-      <p:ext uri="{BB962C8B-B14F-4D97-AF65-F5344CB8AC3E}">
-        <p14:creationId xmlns:p14="http://schemas.microsoft.com/office/powerpoint/2010/main" val="3975346"/>
-      </p:ext>
-    </p:extLst>
   </p:cSld>
   <p:clrMapOvr>
     <a:masterClrMapping/>
@@ -13481,10 +12796,6 @@
               <a:rPr lang="en-US" dirty="0"/>
               <a:t>Advanced Encryption Standard </a:t>
             </a:r>
-            <a:r>
-              <a:rPr lang="en-US" dirty="0" smtClean="0"/>
-              <a:t/>
-            </a:r>
             <a:br>
               <a:rPr lang="en-US" dirty="0" smtClean="0"/>
             </a:br>
@@ -13496,6 +12807,7 @@
               <a:rPr lang="en-US" dirty="0"/>
               <a:t>AES)</a:t>
             </a:r>
+            <a:endParaRPr lang="en-US" dirty="0"/>
           </a:p>
         </p:txBody>
       </p:sp>
@@ -13519,11 +12831,6 @@
         </p:txBody>
       </p:sp>
     </p:spTree>
-    <p:extLst>
-      <p:ext uri="{BB962C8B-B14F-4D97-AF65-F5344CB8AC3E}">
-        <p14:creationId xmlns:p14="http://schemas.microsoft.com/office/powerpoint/2010/main" val="3611631837"/>
-      </p:ext>
-    </p:extLst>
   </p:cSld>
   <p:clrMapOvr>
     <a:masterClrMapping/>
@@ -13617,6 +12924,7 @@
               <a:rPr lang="en-US" dirty="0" smtClean="0"/>
               <a:t>DES</a:t>
             </a:r>
+            <a:endParaRPr lang="en-US" dirty="0" smtClean="0"/>
           </a:p>
           <a:p>
             <a:r>
@@ -13644,11 +12952,6 @@
         </p:txBody>
       </p:sp>
     </p:spTree>
-    <p:extLst>
-      <p:ext uri="{BB962C8B-B14F-4D97-AF65-F5344CB8AC3E}">
-        <p14:creationId xmlns:p14="http://schemas.microsoft.com/office/powerpoint/2010/main" val="732934025"/>
-      </p:ext>
-    </p:extLst>
   </p:cSld>
   <p:clrMapOvr>
     <a:masterClrMapping/>
@@ -13710,9 +13013,11 @@
           </p:nvPr>
         </p:nvPicPr>
         <p:blipFill rotWithShape="1">
-          <a:blip r:embed="rId2"/>
+          <a:blip r:embed="rId1"/>
           <a:srcRect l="6536" t="24788" r="6045"/>
-          <a:stretch/>
+          <a:stretch>
+            <a:fillRect/>
+          </a:stretch>
         </p:blipFill>
         <p:spPr>
           <a:xfrm>
@@ -13725,11 +13030,6 @@
         </p:spPr>
       </p:pic>
     </p:spTree>
-    <p:extLst>
-      <p:ext uri="{BB962C8B-B14F-4D97-AF65-F5344CB8AC3E}">
-        <p14:creationId xmlns:p14="http://schemas.microsoft.com/office/powerpoint/2010/main" val="338649217"/>
-      </p:ext>
-    </p:extLst>
   </p:cSld>
   <p:clrMapOvr>
     <a:masterClrMapping/>
@@ -13799,6 +13099,7 @@
               <a:rPr lang="en-US" dirty="0"/>
               <a:t>AES is a block cipher.</a:t>
             </a:r>
+            <a:endParaRPr lang="en-US" dirty="0"/>
           </a:p>
           <a:p>
             <a:pPr fontAlgn="base"/>
@@ -13806,6 +13107,7 @@
               <a:rPr lang="en-US" dirty="0"/>
               <a:t>The key size can be 128/192/256 bits.</a:t>
             </a:r>
+            <a:endParaRPr lang="en-US" dirty="0"/>
           </a:p>
           <a:p>
             <a:pPr fontAlgn="base"/>
@@ -13817,6 +13119,7 @@
               <a:rPr lang="en-US" dirty="0" smtClean="0"/>
               <a:t>.</a:t>
             </a:r>
+            <a:endParaRPr lang="en-US" dirty="0" smtClean="0"/>
           </a:p>
           <a:p>
             <a:pPr fontAlgn="base"/>
@@ -13828,6 +13131,7 @@
               <a:rPr lang="en-US" dirty="0" smtClean="0"/>
               <a:t>principle.</a:t>
             </a:r>
+            <a:endParaRPr lang="en-US" dirty="0" smtClean="0"/>
           </a:p>
           <a:p>
             <a:pPr fontAlgn="base"/>
@@ -13843,6 +13147,7 @@
               <a:rPr lang="en-US" dirty="0" smtClean="0"/>
               <a:t>time).</a:t>
             </a:r>
+            <a:endParaRPr lang="en-US" dirty="0" smtClean="0"/>
           </a:p>
           <a:p>
             <a:pPr fontAlgn="base"/>
@@ -13946,11 +13251,6 @@
         </p:txBody>
       </p:sp>
     </p:spTree>
-    <p:extLst>
-      <p:ext uri="{BB962C8B-B14F-4D97-AF65-F5344CB8AC3E}">
-        <p14:creationId xmlns:p14="http://schemas.microsoft.com/office/powerpoint/2010/main" val="2274972755"/>
-      </p:ext>
-    </p:extLst>
   </p:cSld>
   <p:clrMapOvr>
     <a:masterClrMapping/>
@@ -14029,6 +13329,7 @@
               <a:rPr lang="en-US" dirty="0" smtClean="0"/>
               <a:t>key.</a:t>
             </a:r>
+            <a:endParaRPr lang="en-US" dirty="0" smtClean="0"/>
           </a:p>
           <a:p>
             <a:r>
@@ -14044,11 +13345,6 @@
         </p:txBody>
       </p:sp>
     </p:spTree>
-    <p:extLst>
-      <p:ext uri="{BB962C8B-B14F-4D97-AF65-F5344CB8AC3E}">
-        <p14:creationId xmlns:p14="http://schemas.microsoft.com/office/powerpoint/2010/main" val="4283249482"/>
-      </p:ext>
-    </p:extLst>
   </p:cSld>
   <p:clrMapOvr>
     <a:masterClrMapping/>
@@ -14120,7 +13416,7 @@
           <p:nvPr/>
         </p:nvPicPr>
         <p:blipFill>
-          <a:blip r:embed="rId2"/>
+          <a:blip r:embed="rId1"/>
           <a:stretch>
             <a:fillRect/>
           </a:stretch>
@@ -14136,11 +13432,6 @@
         </p:spPr>
       </p:pic>
     </p:spTree>
-    <p:extLst>
-      <p:ext uri="{BB962C8B-B14F-4D97-AF65-F5344CB8AC3E}">
-        <p14:creationId xmlns:p14="http://schemas.microsoft.com/office/powerpoint/2010/main" val="1531521934"/>
-      </p:ext>
-    </p:extLst>
   </p:cSld>
   <p:clrMapOvr>
     <a:masterClrMapping/>
@@ -14226,9 +13517,11 @@
             <p:nvPr/>
           </p:nvPicPr>
           <p:blipFill rotWithShape="1">
-            <a:blip r:embed="rId2"/>
+            <a:blip r:embed="rId1"/>
             <a:srcRect l="23017" t="7443" r="29479"/>
-            <a:stretch/>
+            <a:stretch>
+              <a:fillRect/>
+            </a:stretch>
           </p:blipFill>
           <p:spPr>
             <a:xfrm>
@@ -14290,11 +13583,6 @@
         </p:sp>
       </p:grpSp>
     </p:spTree>
-    <p:extLst>
-      <p:ext uri="{BB962C8B-B14F-4D97-AF65-F5344CB8AC3E}">
-        <p14:creationId xmlns:p14="http://schemas.microsoft.com/office/powerpoint/2010/main" val="730498172"/>
-      </p:ext>
-    </p:extLst>
   </p:cSld>
   <p:clrMapOvr>
     <a:masterClrMapping/>
@@ -14366,9 +13654,11 @@
           <p:nvPr/>
         </p:nvPicPr>
         <p:blipFill rotWithShape="1">
-          <a:blip r:embed="rId2"/>
+          <a:blip r:embed="rId1"/>
           <a:srcRect t="8170"/>
-          <a:stretch/>
+          <a:stretch>
+            <a:fillRect/>
+          </a:stretch>
         </p:blipFill>
         <p:spPr>
           <a:xfrm>
@@ -14381,11 +13671,6 @@
         </p:spPr>
       </p:pic>
     </p:spTree>
-    <p:extLst>
-      <p:ext uri="{BB962C8B-B14F-4D97-AF65-F5344CB8AC3E}">
-        <p14:creationId xmlns:p14="http://schemas.microsoft.com/office/powerpoint/2010/main" val="2891835914"/>
-      </p:ext>
-    </p:extLst>
   </p:cSld>
   <p:clrMapOvr>
     <a:masterClrMapping/>
@@ -14459,6 +13744,7 @@
               <a:rPr lang="en-US" dirty="0" smtClean="0"/>
               <a:t>ES considers each block as a 16 byte (4 byte x 4 byte = 128 ) grid in a column major arrangement.</a:t>
             </a:r>
+            <a:endParaRPr lang="en-US" dirty="0" smtClean="0"/>
           </a:p>
           <a:p>
             <a:pPr fontAlgn="base"/>
@@ -14466,6 +13752,7 @@
               <a:rPr lang="en-US" dirty="0" smtClean="0"/>
               <a:t>Each round comprises of 4 steps :</a:t>
             </a:r>
+            <a:endParaRPr lang="en-US" dirty="0" smtClean="0"/>
           </a:p>
           <a:p>
             <a:pPr lvl="1" fontAlgn="base"/>
@@ -14482,7 +13769,7 @@
                 <a:solidFill>
                   <a:srgbClr val="FF0000"/>
                 </a:solidFill>
-                <a:latin typeface="Nunito"/>
+                <a:latin typeface="Calibri" panose="020F0502020204030204" charset="0"/>
               </a:rPr>
               <a:t>substitution </a:t>
             </a:r>
@@ -14491,7 +13778,7 @@
                 <a:solidFill>
                   <a:srgbClr val="FF0000"/>
                 </a:solidFill>
-                <a:latin typeface="Nunito"/>
+                <a:latin typeface="Calibri" panose="020F0502020204030204" charset="0"/>
               </a:rPr>
               <a:t>and </a:t>
             </a:r>
@@ -14500,7 +13787,7 @@
                 <a:solidFill>
                   <a:srgbClr val="FF0000"/>
                 </a:solidFill>
-                <a:latin typeface="Nunito"/>
+                <a:latin typeface="Calibri" panose="020F0502020204030204" charset="0"/>
               </a:rPr>
               <a:t>ShiftRows</a:t>
             </a:r>
@@ -14509,10 +13796,16 @@
                 <a:solidFill>
                   <a:srgbClr val="FF0000"/>
                 </a:solidFill>
-                <a:latin typeface="Nunito"/>
+                <a:latin typeface="Calibri" panose="020F0502020204030204" charset="0"/>
               </a:rPr>
               <a:t> </a:t>
             </a:r>
+            <a:endParaRPr lang="en-US" b="1" dirty="0">
+              <a:solidFill>
+                <a:srgbClr val="FF0000"/>
+              </a:solidFill>
+              <a:latin typeface="Calibri" panose="020F0502020204030204" charset="0"/>
+            </a:endParaRPr>
           </a:p>
           <a:p>
             <a:pPr lvl="1" fontAlgn="base"/>
@@ -14529,7 +13822,7 @@
                 <a:solidFill>
                   <a:srgbClr val="FF0000"/>
                 </a:solidFill>
-                <a:latin typeface="Nunito"/>
+                <a:latin typeface="Calibri" panose="020F0502020204030204" charset="0"/>
               </a:rPr>
               <a:t>performs the permutation </a:t>
             </a:r>
@@ -14550,7 +13843,7 @@
                 <a:solidFill>
                   <a:srgbClr val="FF0000"/>
                 </a:solidFill>
-                <a:latin typeface="Nunito"/>
+                <a:latin typeface="Calibri" panose="020F0502020204030204" charset="0"/>
               </a:rPr>
               <a:t> performs the permutation </a:t>
             </a:r>
@@ -14562,6 +13855,7 @@
               <a:rPr lang="en-US" dirty="0" smtClean="0"/>
               <a:t>Add Round Key</a:t>
             </a:r>
+            <a:endParaRPr lang="en-US" dirty="0" smtClean="0"/>
           </a:p>
           <a:p>
             <a:pPr lvl="1" fontAlgn="base"/>
@@ -14570,7 +13864,7 @@
                 <a:solidFill>
                   <a:srgbClr val="FF0000"/>
                 </a:solidFill>
-                <a:latin typeface="Nunito"/>
+                <a:latin typeface="Calibri" panose="020F0502020204030204" charset="0"/>
               </a:rPr>
               <a:t>The last round doesn’t have the </a:t>
             </a:r>
@@ -14579,7 +13873,7 @@
                 <a:solidFill>
                   <a:srgbClr val="FF0000"/>
                 </a:solidFill>
-                <a:latin typeface="Nunito"/>
+                <a:latin typeface="Calibri" panose="020F0502020204030204" charset="0"/>
               </a:rPr>
               <a:t>MixColumns</a:t>
             </a:r>
@@ -14588,7 +13882,7 @@
                 <a:solidFill>
                   <a:srgbClr val="FF0000"/>
                 </a:solidFill>
-                <a:latin typeface="Nunito"/>
+                <a:latin typeface="Calibri" panose="020F0502020204030204" charset="0"/>
               </a:rPr>
               <a:t> round</a:t>
             </a:r>
@@ -14597,7 +13891,7 @@
                 <a:solidFill>
                   <a:srgbClr val="FF0000"/>
                 </a:solidFill>
-                <a:latin typeface="Nunito"/>
+                <a:latin typeface="Calibri" panose="020F0502020204030204" charset="0"/>
               </a:rPr>
               <a:t>.</a:t>
             </a:r>
@@ -14605,7 +13899,7 @@
               <a:solidFill>
                 <a:srgbClr val="FF0000"/>
               </a:solidFill>
-              <a:latin typeface="Nunito"/>
+              <a:latin typeface="Calibri" panose="020F0502020204030204" charset="0"/>
             </a:endParaRPr>
           </a:p>
         </p:txBody>
@@ -14619,7 +13913,7 @@
           <p:nvPr/>
         </p:nvPicPr>
         <p:blipFill>
-          <a:blip r:embed="rId2"/>
+          <a:blip r:embed="rId1"/>
           <a:stretch>
             <a:fillRect/>
           </a:stretch>
@@ -14635,11 +13929,6 @@
         </p:spPr>
       </p:pic>
     </p:spTree>
-    <p:extLst>
-      <p:ext uri="{BB962C8B-B14F-4D97-AF65-F5344CB8AC3E}">
-        <p14:creationId xmlns:p14="http://schemas.microsoft.com/office/powerpoint/2010/main" val="364218160"/>
-      </p:ext>
-    </p:extLst>
   </p:cSld>
   <p:clrMapOvr>
     <a:masterClrMapping/>
@@ -14712,6 +14001,7 @@
               <a:rPr lang="en-US" dirty="0" smtClean="0"/>
               <a:t>S-box.</a:t>
             </a:r>
+            <a:endParaRPr lang="en-US" dirty="0" smtClean="0"/>
           </a:p>
           <a:p>
             <a:pPr fontAlgn="base"/>
@@ -14719,12 +14009,14 @@
               <a:rPr lang="en-US" dirty="0" smtClean="0"/>
               <a:t>The result of this step is a 16 byte (4 x 4 ) matrix like before.</a:t>
             </a:r>
+            <a:endParaRPr lang="en-US" dirty="0" smtClean="0"/>
           </a:p>
           <a:p>
             <a:r>
               <a:rPr lang="en-US" dirty="0" smtClean="0"/>
               <a:t>2 conditions where substitution never performed:</a:t>
             </a:r>
+            <a:endParaRPr lang="en-US" dirty="0" smtClean="0"/>
           </a:p>
           <a:p>
             <a:pPr lvl="1"/>
@@ -14732,6 +14024,7 @@
               <a:rPr lang="en-US" dirty="0" smtClean="0"/>
               <a:t>By it self</a:t>
             </a:r>
+            <a:endParaRPr lang="en-US" dirty="0" smtClean="0"/>
           </a:p>
           <a:p>
             <a:pPr lvl="1"/>
@@ -14747,6 +14040,7 @@
               <a:rPr lang="en-US" dirty="0" smtClean="0"/>
               <a:t> </a:t>
             </a:r>
+            <a:endParaRPr lang="en-US" dirty="0" smtClean="0"/>
           </a:p>
           <a:p>
             <a:pPr lvl="1"/>
@@ -14755,11 +14049,6 @@
         </p:txBody>
       </p:sp>
     </p:spTree>
-    <p:extLst>
-      <p:ext uri="{BB962C8B-B14F-4D97-AF65-F5344CB8AC3E}">
-        <p14:creationId xmlns:p14="http://schemas.microsoft.com/office/powerpoint/2010/main" val="2819941628"/>
-      </p:ext>
-    </p:extLst>
   </p:cSld>
   <p:clrMapOvr>
     <a:masterClrMapping/>
@@ -14838,6 +14127,7 @@
               <a:rPr lang="en-US" dirty="0" smtClean="0"/>
               <a:t>.</a:t>
             </a:r>
+            <a:endParaRPr lang="en-US" dirty="0" smtClean="0"/>
           </a:p>
           <a:p>
             <a:pPr lvl="1" fontAlgn="base"/>
@@ -14845,6 +14135,7 @@
               <a:rPr lang="en-US" dirty="0"/>
               <a:t>The first row is not shifted</a:t>
             </a:r>
+            <a:endParaRPr lang="en-US" dirty="0"/>
           </a:p>
           <a:p>
             <a:pPr lvl="1" fontAlgn="base"/>
@@ -14852,6 +14143,7 @@
               <a:rPr lang="en-US" dirty="0"/>
               <a:t>The second row is shifted once to the left.</a:t>
             </a:r>
+            <a:endParaRPr lang="en-US" dirty="0"/>
           </a:p>
           <a:p>
             <a:pPr lvl="1" fontAlgn="base"/>
@@ -14859,6 +14151,7 @@
               <a:rPr lang="en-US" dirty="0"/>
               <a:t>The third row is shifted twice to the left.</a:t>
             </a:r>
+            <a:endParaRPr lang="en-US" dirty="0"/>
           </a:p>
           <a:p>
             <a:pPr lvl="1" fontAlgn="base"/>
@@ -14870,6 +14163,7 @@
               <a:rPr lang="en-US" dirty="0" smtClean="0"/>
               <a:t>.</a:t>
             </a:r>
+            <a:endParaRPr lang="en-US" dirty="0" smtClean="0"/>
           </a:p>
           <a:p>
             <a:pPr lvl="1" fontAlgn="base"/>
@@ -14877,6 +14171,7 @@
               <a:rPr lang="en-US" dirty="0"/>
               <a:t>A left circular shift is performed.</a:t>
             </a:r>
+            <a:endParaRPr lang="en-US" dirty="0"/>
           </a:p>
           <a:p>
             <a:endParaRPr lang="en-US" dirty="0"/>
@@ -14892,7 +14187,7 @@
           <p:nvPr/>
         </p:nvPicPr>
         <p:blipFill>
-          <a:blip r:embed="rId2"/>
+          <a:blip r:embed="rId1"/>
           <a:stretch>
             <a:fillRect/>
           </a:stretch>
@@ -14908,11 +14203,6 @@
         </p:spPr>
       </p:pic>
     </p:spTree>
-    <p:extLst>
-      <p:ext uri="{BB962C8B-B14F-4D97-AF65-F5344CB8AC3E}">
-        <p14:creationId xmlns:p14="http://schemas.microsoft.com/office/powerpoint/2010/main" val="1283568942"/>
-      </p:ext>
-    </p:extLst>
   </p:cSld>
   <p:clrMapOvr>
     <a:masterClrMapping/>
@@ -14994,6 +14284,7 @@
               <a:rPr lang="en-US" dirty="0" smtClean="0"/>
               <a:t>result.</a:t>
             </a:r>
+            <a:endParaRPr lang="en-US" dirty="0" smtClean="0"/>
           </a:p>
           <a:p>
             <a:r>
@@ -15024,7 +14315,7 @@
           <p:nvPr/>
         </p:nvPicPr>
         <p:blipFill>
-          <a:blip r:embed="rId2"/>
+          <a:blip r:embed="rId1"/>
           <a:stretch>
             <a:fillRect/>
           </a:stretch>
@@ -15040,11 +14331,6 @@
         </p:spPr>
       </p:pic>
     </p:spTree>
-    <p:extLst>
-      <p:ext uri="{BB962C8B-B14F-4D97-AF65-F5344CB8AC3E}">
-        <p14:creationId xmlns:p14="http://schemas.microsoft.com/office/powerpoint/2010/main" val="2322922015"/>
-      </p:ext>
-    </p:extLst>
   </p:cSld>
   <p:clrMapOvr>
     <a:masterClrMapping/>
@@ -15135,11 +14421,6 @@
         </p:txBody>
       </p:sp>
     </p:spTree>
-    <p:extLst>
-      <p:ext uri="{BB962C8B-B14F-4D97-AF65-F5344CB8AC3E}">
-        <p14:creationId xmlns:p14="http://schemas.microsoft.com/office/powerpoint/2010/main" val="2604950773"/>
-      </p:ext>
-    </p:extLst>
   </p:cSld>
   <p:clrMapOvr>
     <a:masterClrMapping/>
@@ -15211,7 +14492,7 @@
           <p:nvPr/>
         </p:nvPicPr>
         <p:blipFill>
-          <a:blip r:embed="rId2"/>
+          <a:blip r:embed="rId1"/>
           <a:stretch>
             <a:fillRect/>
           </a:stretch>
@@ -15227,11 +14508,6 @@
         </p:spPr>
       </p:pic>
     </p:spTree>
-    <p:extLst>
-      <p:ext uri="{BB962C8B-B14F-4D97-AF65-F5344CB8AC3E}">
-        <p14:creationId xmlns:p14="http://schemas.microsoft.com/office/powerpoint/2010/main" val="1428932051"/>
-      </p:ext>
-    </p:extLst>
   </p:cSld>
   <p:clrMapOvr>
     <a:masterClrMapping/>
@@ -15303,7 +14579,7 @@
           <p:nvPr/>
         </p:nvPicPr>
         <p:blipFill>
-          <a:blip r:embed="rId2"/>
+          <a:blip r:embed="rId1"/>
           <a:stretch>
             <a:fillRect/>
           </a:stretch>
@@ -15319,11 +14595,6 @@
         </p:spPr>
       </p:pic>
     </p:spTree>
-    <p:extLst>
-      <p:ext uri="{BB962C8B-B14F-4D97-AF65-F5344CB8AC3E}">
-        <p14:creationId xmlns:p14="http://schemas.microsoft.com/office/powerpoint/2010/main" val="2136423780"/>
-      </p:ext>
-    </p:extLst>
   </p:cSld>
   <p:clrMapOvr>
     <a:masterClrMapping/>
@@ -15391,6 +14662,7 @@
               <a:rPr lang="en-US" dirty="0"/>
               <a:t>The stages of each round in decryption is as follows :</a:t>
             </a:r>
+            <a:endParaRPr lang="en-US" dirty="0"/>
           </a:p>
           <a:p>
             <a:pPr lvl="1" fontAlgn="base"/>
@@ -15398,6 +14670,7 @@
               <a:rPr lang="en-US" dirty="0"/>
               <a:t>Add round key</a:t>
             </a:r>
+            <a:endParaRPr lang="en-US" dirty="0"/>
           </a:p>
           <a:p>
             <a:pPr lvl="1" fontAlgn="base"/>
@@ -15437,11 +14710,6 @@
         </p:txBody>
       </p:sp>
     </p:spTree>
-    <p:extLst>
-      <p:ext uri="{BB962C8B-B14F-4D97-AF65-F5344CB8AC3E}">
-        <p14:creationId xmlns:p14="http://schemas.microsoft.com/office/powerpoint/2010/main" val="1996423919"/>
-      </p:ext>
-    </p:extLst>
   </p:cSld>
   <p:clrMapOvr>
     <a:masterClrMapping/>
@@ -15512,6 +14780,7 @@
               <a:rPr lang="en-US" b="1" dirty="0" smtClean="0"/>
               <a:t>security</a:t>
             </a:r>
+            <a:endParaRPr lang="en-US" b="1" dirty="0" smtClean="0"/>
           </a:p>
           <a:p>
             <a:r>
@@ -15522,6 +14791,7 @@
               <a:rPr lang="en-US" b="1" dirty="0" smtClean="0"/>
               <a:t>Encryption</a:t>
             </a:r>
+            <a:endParaRPr lang="en-US" b="1" dirty="0" smtClean="0"/>
           </a:p>
           <a:p>
             <a:r>
@@ -15532,6 +14802,7 @@
               <a:rPr lang="en-US" b="1" dirty="0" smtClean="0"/>
               <a:t>storage</a:t>
             </a:r>
+            <a:endParaRPr lang="en-US" b="1" dirty="0" smtClean="0"/>
           </a:p>
           <a:p>
             <a:r>
@@ -15542,6 +14813,7 @@
               <a:rPr lang="en-US" b="1" dirty="0" smtClean="0"/>
               <a:t>)</a:t>
             </a:r>
+            <a:endParaRPr lang="en-US" b="1" dirty="0" smtClean="0"/>
           </a:p>
           <a:p>
             <a:r>
@@ -15552,6 +14824,7 @@
               <a:rPr lang="en-US" b="1" dirty="0" smtClean="0"/>
               <a:t>Passwords</a:t>
             </a:r>
+            <a:endParaRPr lang="en-US" b="1" dirty="0" smtClean="0"/>
           </a:p>
           <a:p>
             <a:r>
@@ -15563,11 +14836,6 @@
         </p:txBody>
       </p:sp>
     </p:spTree>
-    <p:extLst>
-      <p:ext uri="{BB962C8B-B14F-4D97-AF65-F5344CB8AC3E}">
-        <p14:creationId xmlns:p14="http://schemas.microsoft.com/office/powerpoint/2010/main" val="829335336"/>
-      </p:ext>
-    </p:extLst>
   </p:cSld>
   <p:clrMapOvr>
     <a:masterClrMapping/>
@@ -15650,6 +14918,7 @@
               <a:rPr lang="en-US" dirty="0" smtClean="0"/>
               <a:t>algorithm.</a:t>
             </a:r>
+            <a:endParaRPr lang="en-US" dirty="0" smtClean="0"/>
           </a:p>
           <a:p>
             <a:r>
@@ -15665,11 +14934,6 @@
         </p:txBody>
       </p:sp>
     </p:spTree>
-    <p:extLst>
-      <p:ext uri="{BB962C8B-B14F-4D97-AF65-F5344CB8AC3E}">
-        <p14:creationId xmlns:p14="http://schemas.microsoft.com/office/powerpoint/2010/main" val="4096663441"/>
-      </p:ext>
-    </p:extLst>
   </p:cSld>
   <p:clrMapOvr>
     <a:masterClrMapping/>
@@ -15744,6 +15008,7 @@
               <a:rPr lang="en-US" dirty="0" smtClean="0"/>
               <a:t>.</a:t>
             </a:r>
+            <a:endParaRPr lang="en-US" dirty="0" smtClean="0"/>
           </a:p>
           <a:p>
             <a:r>
@@ -15778,11 +15043,6 @@
         </p:txBody>
       </p:sp>
     </p:spTree>
-    <p:extLst>
-      <p:ext uri="{BB962C8B-B14F-4D97-AF65-F5344CB8AC3E}">
-        <p14:creationId xmlns:p14="http://schemas.microsoft.com/office/powerpoint/2010/main" val="272691373"/>
-      </p:ext>
-    </p:extLst>
   </p:cSld>
   <p:clrMapOvr>
     <a:masterClrMapping/>
@@ -15837,9 +15097,11 @@
           </p:nvPr>
         </p:nvPicPr>
         <p:blipFill rotWithShape="1">
-          <a:blip r:embed="rId2"/>
+          <a:blip r:embed="rId1"/>
           <a:srcRect l="1103" t="1" r="-1" b="2314"/>
-          <a:stretch/>
+          <a:stretch>
+            <a:fillRect/>
+          </a:stretch>
         </p:blipFill>
         <p:spPr>
           <a:xfrm>
@@ -15852,11 +15114,6 @@
         </p:spPr>
       </p:pic>
     </p:spTree>
-    <p:extLst>
-      <p:ext uri="{BB962C8B-B14F-4D97-AF65-F5344CB8AC3E}">
-        <p14:creationId xmlns:p14="http://schemas.microsoft.com/office/powerpoint/2010/main" val="1510752927"/>
-      </p:ext>
-    </p:extLst>
   </p:cSld>
   <p:clrMapOvr>
     <a:masterClrMapping/>
@@ -15942,6 +15199,7 @@
               <a:rPr lang="en-US" dirty="0"/>
               <a:t>encryption of blocks of bits is possible, thus it is a faster way of encryption.</a:t>
             </a:r>
+            <a:endParaRPr lang="en-US" dirty="0"/>
           </a:p>
           <a:p>
             <a:pPr lvl="1" fontAlgn="base"/>
@@ -15953,6 +15211,7 @@
               <a:rPr lang="en-US" dirty="0" smtClean="0"/>
               <a:t>.</a:t>
             </a:r>
+            <a:endParaRPr lang="en-US" dirty="0" smtClean="0"/>
           </a:p>
           <a:p>
             <a:pPr fontAlgn="base"/>
@@ -15964,6 +15223,7 @@
               <a:rPr lang="en-US" dirty="0"/>
               <a:t>  </a:t>
             </a:r>
+            <a:endParaRPr lang="en-US" dirty="0"/>
           </a:p>
           <a:p>
             <a:pPr lvl="1" fontAlgn="base"/>
@@ -15979,6 +15239,7 @@
               <a:rPr lang="en-US" dirty="0"/>
               <a:t>. </a:t>
             </a:r>
+            <a:endParaRPr lang="en-US" dirty="0"/>
           </a:p>
           <a:p>
             <a:pPr fontAlgn="base"/>
@@ -15990,11 +15251,6 @@
         </p:txBody>
       </p:sp>
     </p:spTree>
-    <p:extLst>
-      <p:ext uri="{BB962C8B-B14F-4D97-AF65-F5344CB8AC3E}">
-        <p14:creationId xmlns:p14="http://schemas.microsoft.com/office/powerpoint/2010/main" val="619861380"/>
-      </p:ext>
-    </p:extLst>
   </p:cSld>
   <p:clrMapOvr>
     <a:masterClrMapping/>
@@ -16069,6 +15325,7 @@
               <a:rPr lang="en-US" dirty="0" smtClean="0"/>
               <a:t>ECB.</a:t>
             </a:r>
+            <a:endParaRPr lang="en-US" dirty="0" smtClean="0"/>
           </a:p>
           <a:p>
             <a:r>
@@ -16106,11 +15363,6 @@
         </p:txBody>
       </p:sp>
     </p:spTree>
-    <p:extLst>
-      <p:ext uri="{BB962C8B-B14F-4D97-AF65-F5344CB8AC3E}">
-        <p14:creationId xmlns:p14="http://schemas.microsoft.com/office/powerpoint/2010/main" val="352690317"/>
-      </p:ext>
-    </p:extLst>
   </p:cSld>
   <p:clrMapOvr>
     <a:masterClrMapping/>
@@ -16182,7 +15434,7 @@
           <p:nvPr/>
         </p:nvPicPr>
         <p:blipFill>
-          <a:blip r:embed="rId2"/>
+          <a:blip r:embed="rId1"/>
           <a:stretch>
             <a:fillRect/>
           </a:stretch>
@@ -16198,11 +15450,6 @@
         </p:spPr>
       </p:pic>
     </p:spTree>
-    <p:extLst>
-      <p:ext uri="{BB962C8B-B14F-4D97-AF65-F5344CB8AC3E}">
-        <p14:creationId xmlns:p14="http://schemas.microsoft.com/office/powerpoint/2010/main" val="1926070199"/>
-      </p:ext>
-    </p:extLst>
   </p:cSld>
   <p:clrMapOvr>
     <a:masterClrMapping/>
@@ -16253,7 +15500,7 @@
     </a:clrScheme>
     <a:fontScheme name="Circuit">
       <a:majorFont>
-        <a:latin typeface="Tw Cen MT" panose="020B0602020104020603"/>
+        <a:latin typeface="Tw Cen MT"/>
         <a:ea typeface=""/>
         <a:cs typeface=""/>
         <a:font script="Jpan" typeface="ＭＳ Ｐゴシック"/>
@@ -16288,7 +15535,7 @@
         <a:font script="Geor" typeface="Sylfaen"/>
       </a:majorFont>
       <a:minorFont>
-        <a:latin typeface="Tw Cen MT" panose="020B0602020104020603"/>
+        <a:latin typeface="Tw Cen MT"/>
         <a:ea typeface=""/>
         <a:cs typeface=""/>
         <a:font script="Jpan" typeface="ＭＳ Ｐゴシック"/>
@@ -16446,16 +15693,534 @@
               </a:schemeClr>
             </a:duotone>
           </a:blip>
-          <a:stretch/>
+          <a:stretch>
+            <a:fillRect/>
+          </a:stretch>
         </a:blipFill>
       </a:bgFillStyleLst>
     </a:fmtScheme>
   </a:themeElements>
-  <a:objectDefaults/>
-  <a:extraClrSchemeLst/>
   <a:extLst>
     <a:ext uri="{05A4C25C-085E-4340-85A3-A5531E510DB2}">
-      <thm15:themeFamily xmlns:thm15="http://schemas.microsoft.com/office/thememl/2012/main" name="Circuit" id="{0AC2F7E7-15F5-431C-B2A2-456FE929F56C}" vid="{0911B802-464C-4241-8DD9-B60FF88E379F}"/>
+      <thm15:themeFamily xmlns:thm15="http://schemas.microsoft.com/office/thememl/2012/main" name="Office Theme" id="{62F939B6-93AF-4DB8-9C6B-D6C7DFDC589F}" vid="{4A3C46E8-61CC-4603-A589-7422A47A8E4A}"/>
+    </a:ext>
+  </a:extLst>
+</a:theme>
+</file>
+
+<file path=ppt/theme/theme2.xml><?xml version="1.0" encoding="utf-8"?>
+<a:theme xmlns:a="http://schemas.openxmlformats.org/drawingml/2006/main" name="Office Theme">
+  <a:themeElements>
+    <a:clrScheme name="Office">
+      <a:dk1>
+        <a:sysClr val="windowText" lastClr="000000"/>
+      </a:dk1>
+      <a:lt1>
+        <a:sysClr val="window" lastClr="FFFFFF"/>
+      </a:lt1>
+      <a:dk2>
+        <a:srgbClr val="44546A"/>
+      </a:dk2>
+      <a:lt2>
+        <a:srgbClr val="E7E6E6"/>
+      </a:lt2>
+      <a:accent1>
+        <a:srgbClr val="5B9BD5"/>
+      </a:accent1>
+      <a:accent2>
+        <a:srgbClr val="ED7D31"/>
+      </a:accent2>
+      <a:accent3>
+        <a:srgbClr val="A5A5A5"/>
+      </a:accent3>
+      <a:accent4>
+        <a:srgbClr val="FFC000"/>
+      </a:accent4>
+      <a:accent5>
+        <a:srgbClr val="4472C4"/>
+      </a:accent5>
+      <a:accent6>
+        <a:srgbClr val="70AD47"/>
+      </a:accent6>
+      <a:hlink>
+        <a:srgbClr val="0563C1"/>
+      </a:hlink>
+      <a:folHlink>
+        <a:srgbClr val="954F72"/>
+      </a:folHlink>
+    </a:clrScheme>
+    <a:fontScheme name="Office">
+      <a:majorFont>
+        <a:latin typeface="Calibri Light"/>
+        <a:ea typeface=""/>
+        <a:cs typeface=""/>
+        <a:font script="Jpan" typeface="ＭＳ Ｐゴシック"/>
+        <a:font script="Hang" typeface="맑은 고딕"/>
+        <a:font script="Hans" typeface="宋体"/>
+        <a:font script="Hant" typeface="新細明體"/>
+        <a:font script="Arab" typeface="Times New Roman"/>
+        <a:font script="Hebr" typeface="Times New Roman"/>
+        <a:font script="Thai" typeface="Angsana New"/>
+        <a:font script="Ethi" typeface="Nyala"/>
+        <a:font script="Beng" typeface="Vrinda"/>
+        <a:font script="Gujr" typeface="Shruti"/>
+        <a:font script="Khmr" typeface="MoolBoran"/>
+        <a:font script="Knda" typeface="Tunga"/>
+        <a:font script="Guru" typeface="Raavi"/>
+        <a:font script="Cans" typeface="Euphemia"/>
+        <a:font script="Cher" typeface="Plantagenet Cherokee"/>
+        <a:font script="Yiii" typeface="Microsoft Yi Baiti"/>
+        <a:font script="Tibt" typeface="Microsoft Himalaya"/>
+        <a:font script="Thaa" typeface="MV Boli"/>
+        <a:font script="Deva" typeface="Mangal"/>
+        <a:font script="Telu" typeface="Gautami"/>
+        <a:font script="Taml" typeface="Latha"/>
+        <a:font script="Syrc" typeface="Estrangelo Edessa"/>
+        <a:font script="Orya" typeface="Kalinga"/>
+        <a:font script="Mlym" typeface="Kartika"/>
+        <a:font script="Laoo" typeface="DokChampa"/>
+        <a:font script="Sinh" typeface="Iskoola Pota"/>
+        <a:font script="Mong" typeface="Mongolian Baiti"/>
+        <a:font script="Viet" typeface="Times New Roman"/>
+        <a:font script="Uigh" typeface="Microsoft Uighur"/>
+        <a:font script="Geor" typeface="Sylfaen"/>
+      </a:majorFont>
+      <a:minorFont>
+        <a:latin typeface="Calibri"/>
+        <a:ea typeface=""/>
+        <a:cs typeface=""/>
+        <a:font script="Jpan" typeface="ＭＳ Ｐゴシック"/>
+        <a:font script="Hang" typeface="맑은 고딕"/>
+        <a:font script="Hans" typeface="宋体"/>
+        <a:font script="Hant" typeface="新細明體"/>
+        <a:font script="Arab" typeface="Arial"/>
+        <a:font script="Hebr" typeface="Arial"/>
+        <a:font script="Thai" typeface="Cordia New"/>
+        <a:font script="Ethi" typeface="Nyala"/>
+        <a:font script="Beng" typeface="Vrinda"/>
+        <a:font script="Gujr" typeface="Shruti"/>
+        <a:font script="Khmr" typeface="DaunPenh"/>
+        <a:font script="Knda" typeface="Tunga"/>
+        <a:font script="Guru" typeface="Raavi"/>
+        <a:font script="Cans" typeface="Euphemia"/>
+        <a:font script="Cher" typeface="Plantagenet Cherokee"/>
+        <a:font script="Yiii" typeface="Microsoft Yi Baiti"/>
+        <a:font script="Tibt" typeface="Microsoft Himalaya"/>
+        <a:font script="Thaa" typeface="MV Boli"/>
+        <a:font script="Deva" typeface="Mangal"/>
+        <a:font script="Telu" typeface="Gautami"/>
+        <a:font script="Taml" typeface="Latha"/>
+        <a:font script="Syrc" typeface="Estrangelo Edessa"/>
+        <a:font script="Orya" typeface="Kalinga"/>
+        <a:font script="Mlym" typeface="Kartika"/>
+        <a:font script="Laoo" typeface="DokChampa"/>
+        <a:font script="Sinh" typeface="Iskoola Pota"/>
+        <a:font script="Mong" typeface="Mongolian Baiti"/>
+        <a:font script="Viet" typeface="Arial"/>
+        <a:font script="Uigh" typeface="Microsoft Uighur"/>
+        <a:font script="Geor" typeface="Sylfaen"/>
+      </a:minorFont>
+    </a:fontScheme>
+    <a:fmtScheme name="Office">
+      <a:fillStyleLst>
+        <a:solidFill>
+          <a:schemeClr val="phClr"/>
+        </a:solidFill>
+        <a:gradFill rotWithShape="1">
+          <a:gsLst>
+            <a:gs pos="0">
+              <a:schemeClr val="phClr">
+                <a:lumMod val="110000"/>
+                <a:satMod val="105000"/>
+                <a:tint val="67000"/>
+              </a:schemeClr>
+            </a:gs>
+            <a:gs pos="50000">
+              <a:schemeClr val="phClr">
+                <a:lumMod val="105000"/>
+                <a:satMod val="103000"/>
+                <a:tint val="73000"/>
+              </a:schemeClr>
+            </a:gs>
+            <a:gs pos="100000">
+              <a:schemeClr val="phClr">
+                <a:lumMod val="105000"/>
+                <a:satMod val="109000"/>
+                <a:tint val="81000"/>
+              </a:schemeClr>
+            </a:gs>
+          </a:gsLst>
+          <a:lin ang="5400000" scaled="0"/>
+        </a:gradFill>
+        <a:gradFill rotWithShape="1">
+          <a:gsLst>
+            <a:gs pos="0">
+              <a:schemeClr val="phClr">
+                <a:satMod val="103000"/>
+                <a:lumMod val="102000"/>
+                <a:tint val="94000"/>
+              </a:schemeClr>
+            </a:gs>
+            <a:gs pos="50000">
+              <a:schemeClr val="phClr">
+                <a:satMod val="110000"/>
+                <a:lumMod val="100000"/>
+                <a:shade val="100000"/>
+              </a:schemeClr>
+            </a:gs>
+            <a:gs pos="100000">
+              <a:schemeClr val="phClr">
+                <a:lumMod val="99000"/>
+                <a:satMod val="120000"/>
+                <a:shade val="78000"/>
+              </a:schemeClr>
+            </a:gs>
+          </a:gsLst>
+          <a:lin ang="5400000" scaled="0"/>
+        </a:gradFill>
+      </a:fillStyleLst>
+      <a:lnStyleLst>
+        <a:ln w="6350" cap="flat" cmpd="sng" algn="ctr">
+          <a:solidFill>
+            <a:schemeClr val="phClr"/>
+          </a:solidFill>
+          <a:prstDash val="solid"/>
+          <a:miter lim="800000"/>
+        </a:ln>
+        <a:ln w="12700" cap="flat" cmpd="sng" algn="ctr">
+          <a:solidFill>
+            <a:schemeClr val="phClr"/>
+          </a:solidFill>
+          <a:prstDash val="solid"/>
+          <a:miter lim="800000"/>
+        </a:ln>
+        <a:ln w="19050" cap="flat" cmpd="sng" algn="ctr">
+          <a:solidFill>
+            <a:schemeClr val="phClr"/>
+          </a:solidFill>
+          <a:prstDash val="solid"/>
+          <a:miter lim="800000"/>
+        </a:ln>
+      </a:lnStyleLst>
+      <a:effectStyleLst>
+        <a:effectStyle>
+          <a:effectLst/>
+        </a:effectStyle>
+        <a:effectStyle>
+          <a:effectLst/>
+        </a:effectStyle>
+        <a:effectStyle>
+          <a:effectLst>
+            <a:outerShdw blurRad="57150" dist="19050" dir="5400000" algn="ctr" rotWithShape="0">
+              <a:srgbClr val="000000">
+                <a:alpha val="63000"/>
+              </a:srgbClr>
+            </a:outerShdw>
+          </a:effectLst>
+        </a:effectStyle>
+      </a:effectStyleLst>
+      <a:bgFillStyleLst>
+        <a:solidFill>
+          <a:schemeClr val="phClr"/>
+        </a:solidFill>
+        <a:solidFill>
+          <a:schemeClr val="phClr">
+            <a:tint val="95000"/>
+            <a:satMod val="170000"/>
+          </a:schemeClr>
+        </a:solidFill>
+        <a:gradFill rotWithShape="1">
+          <a:gsLst>
+            <a:gs pos="0">
+              <a:schemeClr val="phClr">
+                <a:tint val="93000"/>
+                <a:satMod val="150000"/>
+                <a:shade val="98000"/>
+                <a:lumMod val="102000"/>
+              </a:schemeClr>
+            </a:gs>
+            <a:gs pos="50000">
+              <a:schemeClr val="phClr">
+                <a:tint val="98000"/>
+                <a:satMod val="130000"/>
+                <a:shade val="90000"/>
+                <a:lumMod val="103000"/>
+              </a:schemeClr>
+            </a:gs>
+            <a:gs pos="100000">
+              <a:schemeClr val="phClr">
+                <a:shade val="63000"/>
+                <a:satMod val="120000"/>
+              </a:schemeClr>
+            </a:gs>
+          </a:gsLst>
+          <a:lin ang="5400000" scaled="0"/>
+        </a:gradFill>
+      </a:bgFillStyleLst>
+    </a:fmtScheme>
+  </a:themeElements>
+  <a:extLst>
+    <a:ext uri="{05A4C25C-085E-4340-85A3-A5531E510DB2}">
+      <thm15:themeFamily xmlns:thm15="http://schemas.microsoft.com/office/thememl/2012/main" name="Office Theme" id="{62F939B6-93AF-4DB8-9C6B-D6C7DFDC589F}" vid="{4A3C46E8-61CC-4603-A589-7422A47A8E4A}"/>
+    </a:ext>
+  </a:extLst>
+</a:theme>
+</file>
+
+<file path=ppt/theme/theme3.xml><?xml version="1.0" encoding="utf-8"?>
+<a:theme xmlns:a="http://schemas.openxmlformats.org/drawingml/2006/main" name="Office Theme">
+  <a:themeElements>
+    <a:clrScheme name="Office">
+      <a:dk1>
+        <a:sysClr val="windowText" lastClr="000000"/>
+      </a:dk1>
+      <a:lt1>
+        <a:sysClr val="window" lastClr="FFFFFF"/>
+      </a:lt1>
+      <a:dk2>
+        <a:srgbClr val="44546A"/>
+      </a:dk2>
+      <a:lt2>
+        <a:srgbClr val="E7E6E6"/>
+      </a:lt2>
+      <a:accent1>
+        <a:srgbClr val="5B9BD5"/>
+      </a:accent1>
+      <a:accent2>
+        <a:srgbClr val="ED7D31"/>
+      </a:accent2>
+      <a:accent3>
+        <a:srgbClr val="A5A5A5"/>
+      </a:accent3>
+      <a:accent4>
+        <a:srgbClr val="FFC000"/>
+      </a:accent4>
+      <a:accent5>
+        <a:srgbClr val="4472C4"/>
+      </a:accent5>
+      <a:accent6>
+        <a:srgbClr val="70AD47"/>
+      </a:accent6>
+      <a:hlink>
+        <a:srgbClr val="0563C1"/>
+      </a:hlink>
+      <a:folHlink>
+        <a:srgbClr val="954F72"/>
+      </a:folHlink>
+    </a:clrScheme>
+    <a:fontScheme name="Office">
+      <a:majorFont>
+        <a:latin typeface="Calibri Light"/>
+        <a:ea typeface=""/>
+        <a:cs typeface=""/>
+        <a:font script="Jpan" typeface="ＭＳ Ｐゴシック"/>
+        <a:font script="Hang" typeface="맑은 고딕"/>
+        <a:font script="Hans" typeface="宋体"/>
+        <a:font script="Hant" typeface="新細明體"/>
+        <a:font script="Arab" typeface="Times New Roman"/>
+        <a:font script="Hebr" typeface="Times New Roman"/>
+        <a:font script="Thai" typeface="Angsana New"/>
+        <a:font script="Ethi" typeface="Nyala"/>
+        <a:font script="Beng" typeface="Vrinda"/>
+        <a:font script="Gujr" typeface="Shruti"/>
+        <a:font script="Khmr" typeface="MoolBoran"/>
+        <a:font script="Knda" typeface="Tunga"/>
+        <a:font script="Guru" typeface="Raavi"/>
+        <a:font script="Cans" typeface="Euphemia"/>
+        <a:font script="Cher" typeface="Plantagenet Cherokee"/>
+        <a:font script="Yiii" typeface="Microsoft Yi Baiti"/>
+        <a:font script="Tibt" typeface="Microsoft Himalaya"/>
+        <a:font script="Thaa" typeface="MV Boli"/>
+        <a:font script="Deva" typeface="Mangal"/>
+        <a:font script="Telu" typeface="Gautami"/>
+        <a:font script="Taml" typeface="Latha"/>
+        <a:font script="Syrc" typeface="Estrangelo Edessa"/>
+        <a:font script="Orya" typeface="Kalinga"/>
+        <a:font script="Mlym" typeface="Kartika"/>
+        <a:font script="Laoo" typeface="DokChampa"/>
+        <a:font script="Sinh" typeface="Iskoola Pota"/>
+        <a:font script="Mong" typeface="Mongolian Baiti"/>
+        <a:font script="Viet" typeface="Times New Roman"/>
+        <a:font script="Uigh" typeface="Microsoft Uighur"/>
+        <a:font script="Geor" typeface="Sylfaen"/>
+      </a:majorFont>
+      <a:minorFont>
+        <a:latin typeface="Calibri"/>
+        <a:ea typeface=""/>
+        <a:cs typeface=""/>
+        <a:font script="Jpan" typeface="ＭＳ Ｐゴシック"/>
+        <a:font script="Hang" typeface="맑은 고딕"/>
+        <a:font script="Hans" typeface="宋体"/>
+        <a:font script="Hant" typeface="新細明體"/>
+        <a:font script="Arab" typeface="Arial"/>
+        <a:font script="Hebr" typeface="Arial"/>
+        <a:font script="Thai" typeface="Cordia New"/>
+        <a:font script="Ethi" typeface="Nyala"/>
+        <a:font script="Beng" typeface="Vrinda"/>
+        <a:font script="Gujr" typeface="Shruti"/>
+        <a:font script="Khmr" typeface="DaunPenh"/>
+        <a:font script="Knda" typeface="Tunga"/>
+        <a:font script="Guru" typeface="Raavi"/>
+        <a:font script="Cans" typeface="Euphemia"/>
+        <a:font script="Cher" typeface="Plantagenet Cherokee"/>
+        <a:font script="Yiii" typeface="Microsoft Yi Baiti"/>
+        <a:font script="Tibt" typeface="Microsoft Himalaya"/>
+        <a:font script="Thaa" typeface="MV Boli"/>
+        <a:font script="Deva" typeface="Mangal"/>
+        <a:font script="Telu" typeface="Gautami"/>
+        <a:font script="Taml" typeface="Latha"/>
+        <a:font script="Syrc" typeface="Estrangelo Edessa"/>
+        <a:font script="Orya" typeface="Kalinga"/>
+        <a:font script="Mlym" typeface="Kartika"/>
+        <a:font script="Laoo" typeface="DokChampa"/>
+        <a:font script="Sinh" typeface="Iskoola Pota"/>
+        <a:font script="Mong" typeface="Mongolian Baiti"/>
+        <a:font script="Viet" typeface="Arial"/>
+        <a:font script="Uigh" typeface="Microsoft Uighur"/>
+        <a:font script="Geor" typeface="Sylfaen"/>
+      </a:minorFont>
+    </a:fontScheme>
+    <a:fmtScheme name="Office">
+      <a:fillStyleLst>
+        <a:solidFill>
+          <a:schemeClr val="phClr"/>
+        </a:solidFill>
+        <a:gradFill rotWithShape="1">
+          <a:gsLst>
+            <a:gs pos="0">
+              <a:schemeClr val="phClr">
+                <a:lumMod val="110000"/>
+                <a:satMod val="105000"/>
+                <a:tint val="67000"/>
+              </a:schemeClr>
+            </a:gs>
+            <a:gs pos="50000">
+              <a:schemeClr val="phClr">
+                <a:lumMod val="105000"/>
+                <a:satMod val="103000"/>
+                <a:tint val="73000"/>
+              </a:schemeClr>
+            </a:gs>
+            <a:gs pos="100000">
+              <a:schemeClr val="phClr">
+                <a:lumMod val="105000"/>
+                <a:satMod val="109000"/>
+                <a:tint val="81000"/>
+              </a:schemeClr>
+            </a:gs>
+          </a:gsLst>
+          <a:lin ang="5400000" scaled="0"/>
+        </a:gradFill>
+        <a:gradFill rotWithShape="1">
+          <a:gsLst>
+            <a:gs pos="0">
+              <a:schemeClr val="phClr">
+                <a:satMod val="103000"/>
+                <a:lumMod val="102000"/>
+                <a:tint val="94000"/>
+              </a:schemeClr>
+            </a:gs>
+            <a:gs pos="50000">
+              <a:schemeClr val="phClr">
+                <a:satMod val="110000"/>
+                <a:lumMod val="100000"/>
+                <a:shade val="100000"/>
+              </a:schemeClr>
+            </a:gs>
+            <a:gs pos="100000">
+              <a:schemeClr val="phClr">
+                <a:lumMod val="99000"/>
+                <a:satMod val="120000"/>
+                <a:shade val="78000"/>
+              </a:schemeClr>
+            </a:gs>
+          </a:gsLst>
+          <a:lin ang="5400000" scaled="0"/>
+        </a:gradFill>
+      </a:fillStyleLst>
+      <a:lnStyleLst>
+        <a:ln w="6350" cap="flat" cmpd="sng" algn="ctr">
+          <a:solidFill>
+            <a:schemeClr val="phClr"/>
+          </a:solidFill>
+          <a:prstDash val="solid"/>
+          <a:miter lim="800000"/>
+        </a:ln>
+        <a:ln w="12700" cap="flat" cmpd="sng" algn="ctr">
+          <a:solidFill>
+            <a:schemeClr val="phClr"/>
+          </a:solidFill>
+          <a:prstDash val="solid"/>
+          <a:miter lim="800000"/>
+        </a:ln>
+        <a:ln w="19050" cap="flat" cmpd="sng" algn="ctr">
+          <a:solidFill>
+            <a:schemeClr val="phClr"/>
+          </a:solidFill>
+          <a:prstDash val="solid"/>
+          <a:miter lim="800000"/>
+        </a:ln>
+      </a:lnStyleLst>
+      <a:effectStyleLst>
+        <a:effectStyle>
+          <a:effectLst/>
+        </a:effectStyle>
+        <a:effectStyle>
+          <a:effectLst/>
+        </a:effectStyle>
+        <a:effectStyle>
+          <a:effectLst>
+            <a:outerShdw blurRad="57150" dist="19050" dir="5400000" algn="ctr" rotWithShape="0">
+              <a:srgbClr val="000000">
+                <a:alpha val="63000"/>
+              </a:srgbClr>
+            </a:outerShdw>
+          </a:effectLst>
+        </a:effectStyle>
+      </a:effectStyleLst>
+      <a:bgFillStyleLst>
+        <a:solidFill>
+          <a:schemeClr val="phClr"/>
+        </a:solidFill>
+        <a:solidFill>
+          <a:schemeClr val="phClr">
+            <a:tint val="95000"/>
+            <a:satMod val="170000"/>
+          </a:schemeClr>
+        </a:solidFill>
+        <a:gradFill rotWithShape="1">
+          <a:gsLst>
+            <a:gs pos="0">
+              <a:schemeClr val="phClr">
+                <a:tint val="93000"/>
+                <a:satMod val="150000"/>
+                <a:shade val="98000"/>
+                <a:lumMod val="102000"/>
+              </a:schemeClr>
+            </a:gs>
+            <a:gs pos="50000">
+              <a:schemeClr val="phClr">
+                <a:tint val="98000"/>
+                <a:satMod val="130000"/>
+                <a:shade val="90000"/>
+                <a:lumMod val="103000"/>
+              </a:schemeClr>
+            </a:gs>
+            <a:gs pos="100000">
+              <a:schemeClr val="phClr">
+                <a:shade val="63000"/>
+                <a:satMod val="120000"/>
+              </a:schemeClr>
+            </a:gs>
+          </a:gsLst>
+          <a:lin ang="5400000" scaled="0"/>
+        </a:gradFill>
+      </a:bgFillStyleLst>
+    </a:fmtScheme>
+  </a:themeElements>
+  <a:extLst>
+    <a:ext uri="{05A4C25C-085E-4340-85A3-A5531E510DB2}">
+      <thm15:themeFamily xmlns:thm15="http://schemas.microsoft.com/office/thememl/2012/main" name="Office Theme" id="{62F939B6-93AF-4DB8-9C6B-D6C7DFDC589F}" vid="{4A3C46E8-61CC-4603-A589-7422A47A8E4A}"/>
     </a:ext>
   </a:extLst>
 </a:theme>
